--- a/media/iam.pptx
+++ b/media/iam.pptx
@@ -206,7 +206,7 @@
           <a:p>
             <a:fld id="{47277FB0-21EC-48C5-90B0-184600466A6C}" type="datetimeFigureOut">
               <a:rPr lang="zh-CN" altLang="en-US" smtClean="0"/>
-              <a:t>2018/11/28</a:t>
+              <a:t>2018/12/5</a:t>
             </a:fld>
             <a:endParaRPr lang="zh-CN" altLang="en-US"/>
           </a:p>
@@ -371,7 +371,7 @@
           <a:p>
             <a:fld id="{9C967889-4715-5C4F-A252-FFC716185AB6}" type="datetimeFigureOut">
               <a:rPr lang="en-US" smtClean="0"/>
-              <a:t>11/28/18</a:t>
+              <a:t>12/5/18</a:t>
             </a:fld>
             <a:endParaRPr lang="en-US"/>
           </a:p>
@@ -3953,8 +3953,8 @@
           </p:nvSpPr>
           <p:spPr>
             <a:xfrm>
-              <a:off x="3942207" y="1949683"/>
-              <a:ext cx="1524564" cy="307777"/>
+              <a:off x="3942207" y="1832182"/>
+              <a:ext cx="1524564" cy="523220"/>
             </a:xfrm>
             <a:prstGeom prst="rect">
               <a:avLst/>
@@ -3967,23 +3967,15 @@
             </a:bodyPr>
             <a:lstStyle/>
             <a:p>
+              <a:pPr algn="ctr"/>
               <a:r>
                 <a:rPr kumimoji="1" lang="en-US" altLang="zh-CN" sz="1400" dirty="0">
                   <a:solidFill>
-                    <a:srgbClr val="737794"/>
+                    <a:srgbClr val="383C57"/>
                   </a:solidFill>
                   <a:latin typeface="Helvetica" pitchFamily="2" charset="0"/>
                 </a:rPr>
-                <a:t>LDAP</a:t>
-              </a:r>
-              <a:r>
-                <a:rPr kumimoji="1" lang="zh-CN" altLang="en-US" sz="1400" dirty="0">
-                  <a:solidFill>
-                    <a:srgbClr val="737794"/>
-                  </a:solidFill>
-                  <a:latin typeface="Helvetica" pitchFamily="2" charset="0"/>
-                </a:rPr>
-                <a:t>服务鉴权</a:t>
+                <a:t>Authenticate LDAP user</a:t>
               </a:r>
             </a:p>
           </p:txBody>
@@ -4002,8 +3994,8 @@
           </p:nvSpPr>
           <p:spPr>
             <a:xfrm>
-              <a:off x="6742347" y="1949683"/>
-              <a:ext cx="1817406" cy="307777"/>
+              <a:off x="6812853" y="1742638"/>
+              <a:ext cx="1817406" cy="738664"/>
             </a:xfrm>
             <a:prstGeom prst="rect">
               <a:avLst/>
@@ -4016,14 +4008,15 @@
             </a:bodyPr>
             <a:lstStyle/>
             <a:p>
+              <a:pPr algn="ctr"/>
               <a:r>
-                <a:rPr kumimoji="1" lang="zh-CN" altLang="en-US" sz="1400" dirty="0">
+                <a:rPr kumimoji="1" lang="en-US" altLang="zh-CN" sz="1400" dirty="0">
                   <a:solidFill>
-                    <a:srgbClr val="737794"/>
+                    <a:srgbClr val="383C57"/>
                   </a:solidFill>
                   <a:latin typeface="Helvetica" pitchFamily="2" charset="0"/>
                 </a:rPr>
-                <a:t>鉴权通过，登录成功</a:t>
+                <a:t>Authentication successful, logged into EnOS Console</a:t>
               </a:r>
             </a:p>
           </p:txBody>
@@ -4086,8 +4079,8 @@
           </p:nvSpPr>
           <p:spPr>
             <a:xfrm>
-              <a:off x="822867" y="1949683"/>
-              <a:ext cx="1861425" cy="324576"/>
+              <a:off x="822867" y="1832182"/>
+              <a:ext cx="1861425" cy="568232"/>
             </a:xfrm>
             <a:prstGeom prst="rect">
               <a:avLst/>
@@ -4108,36 +4101,12 @@
               <a:r>
                 <a:rPr kumimoji="1" lang="en-US" altLang="zh-CN" sz="1400" dirty="0">
                   <a:solidFill>
-                    <a:srgbClr val="737794"/>
+                    <a:srgbClr val="383C57"/>
                   </a:solidFill>
                   <a:latin typeface="Helvetica" pitchFamily="2" charset="0"/>
                 </a:rPr>
-                <a:t>LDAP</a:t>
+                <a:t>Login with LDAP user credential</a:t>
               </a:r>
-              <a:r>
-                <a:rPr kumimoji="1" lang="zh-CN" altLang="en-US" sz="1400" dirty="0">
-                  <a:solidFill>
-                    <a:srgbClr val="737794"/>
-                  </a:solidFill>
-                  <a:latin typeface="Helvetica" pitchFamily="2" charset="0"/>
-                </a:rPr>
-                <a:t>账号登录</a:t>
-              </a:r>
-              <a:r>
-                <a:rPr kumimoji="1" lang="en-US" altLang="zh-CN" sz="1400" dirty="0" err="1">
-                  <a:solidFill>
-                    <a:srgbClr val="737794"/>
-                  </a:solidFill>
-                  <a:latin typeface="Helvetica" pitchFamily="2" charset="0"/>
-                </a:rPr>
-                <a:t>EnOS</a:t>
-              </a:r>
-              <a:endParaRPr kumimoji="1" lang="en-US" altLang="zh-CN" sz="1400" dirty="0">
-                <a:solidFill>
-                  <a:srgbClr val="737794"/>
-                </a:solidFill>
-                <a:latin typeface="Helvetica" pitchFamily="2" charset="0"/>
-              </a:endParaRPr>
             </a:p>
           </p:txBody>
         </p:sp>
@@ -4319,14 +4288,15 @@
             </a:bodyPr>
             <a:lstStyle/>
             <a:p>
+              <a:pPr algn="ctr"/>
               <a:r>
-                <a:rPr kumimoji="1" lang="zh-CN" altLang="en-US" sz="1400" dirty="0">
+                <a:rPr kumimoji="1" lang="en-US" altLang="zh-CN" sz="1400" dirty="0">
                   <a:solidFill>
-                    <a:srgbClr val="737794"/>
+                    <a:srgbClr val="383C57"/>
                   </a:solidFill>
                   <a:latin typeface="Helvetica" pitchFamily="2" charset="0"/>
                 </a:rPr>
-                <a:t>已有账号，执行更新策略</a:t>
+                <a:t>Existed account: Update policy</a:t>
               </a:r>
             </a:p>
           </p:txBody>
@@ -4345,8 +4315,8 @@
           </p:nvSpPr>
           <p:spPr>
             <a:xfrm>
-              <a:off x="12931555" y="1850361"/>
-              <a:ext cx="1204124" cy="523220"/>
+              <a:off x="12726806" y="1742638"/>
+              <a:ext cx="1613624" cy="954107"/>
             </a:xfrm>
             <a:prstGeom prst="rect">
               <a:avLst/>
@@ -4359,14 +4329,15 @@
             </a:bodyPr>
             <a:lstStyle/>
             <a:p>
+              <a:pPr algn="ctr"/>
               <a:r>
-                <a:rPr kumimoji="1" lang="zh-CN" altLang="en-US" sz="1400" dirty="0">
+                <a:rPr kumimoji="1" lang="en-US" altLang="zh-CN" sz="1400" dirty="0">
                   <a:solidFill>
-                    <a:srgbClr val="737794"/>
+                    <a:srgbClr val="383C57"/>
                   </a:solidFill>
                   <a:latin typeface="Helvetica" pitchFamily="2" charset="0"/>
                 </a:rPr>
-                <a:t>根据配置权限访问资源</a:t>
+                <a:t>Access resources based on the permissions  	</a:t>
               </a:r>
             </a:p>
           </p:txBody>
@@ -4593,30 +4564,28 @@
             </a:bodyPr>
             <a:lstStyle/>
             <a:p>
+              <a:pPr algn="ctr"/>
               <a:r>
-                <a:rPr kumimoji="1" lang="zh-CN" altLang="en-US" sz="1400" dirty="0">
+                <a:rPr kumimoji="1" lang="en-US" altLang="zh-CN" sz="1400" dirty="0">
                   <a:solidFill>
-                    <a:srgbClr val="737794"/>
+                    <a:srgbClr val="383C57"/>
                   </a:solidFill>
                   <a:latin typeface="Helvetica" pitchFamily="2" charset="0"/>
                 </a:rPr>
-                <a:t>新账号，存入系统</a:t>
+                <a:t>New account:</a:t>
               </a:r>
+            </a:p>
+            <a:p>
+              <a:pPr algn="ctr"/>
               <a:r>
                 <a:rPr kumimoji="1" lang="en-US" altLang="zh-CN" sz="1400" dirty="0">
                   <a:solidFill>
-                    <a:srgbClr val="737794"/>
+                    <a:srgbClr val="383C57"/>
                   </a:solidFill>
                   <a:latin typeface="Helvetica" pitchFamily="2" charset="0"/>
                 </a:rPr>
-                <a:t>IAM</a:t>
+                <a:t>Import to IAM</a:t>
               </a:r>
-              <a:endParaRPr kumimoji="1" lang="zh-CN" altLang="en-US" sz="1400" dirty="0">
-                <a:solidFill>
-                  <a:srgbClr val="737794"/>
-                </a:solidFill>
-                <a:latin typeface="Helvetica" pitchFamily="2" charset="0"/>
-              </a:endParaRPr>
             </a:p>
           </p:txBody>
         </p:sp>
@@ -4634,8 +4603,8 @@
           </p:nvSpPr>
           <p:spPr>
             <a:xfrm>
-              <a:off x="12833896" y="3654718"/>
-              <a:ext cx="1399441" cy="523220"/>
+              <a:off x="12833897" y="3546996"/>
+              <a:ext cx="1399441" cy="738664"/>
             </a:xfrm>
             <a:prstGeom prst="rect">
               <a:avLst/>
@@ -4648,14 +4617,15 @@
             </a:bodyPr>
             <a:lstStyle/>
             <a:p>
+              <a:pPr algn="ctr"/>
               <a:r>
-                <a:rPr kumimoji="1" lang="zh-CN" altLang="en-US" sz="1400" dirty="0">
+                <a:rPr kumimoji="1" lang="en-US" altLang="zh-CN" sz="1400" dirty="0">
                   <a:solidFill>
-                    <a:srgbClr val="737794"/>
+                    <a:srgbClr val="383C57"/>
                   </a:solidFill>
                   <a:latin typeface="Helvetica" pitchFamily="2" charset="0"/>
                 </a:rPr>
-                <a:t>联系管理员配置资源权限</a:t>
+                <a:t>Connect admin to request permissions </a:t>
               </a:r>
             </a:p>
           </p:txBody>
@@ -5016,8 +4986,8 @@
           </p:nvSpPr>
           <p:spPr>
             <a:xfrm>
-              <a:off x="3978526" y="1833978"/>
-              <a:ext cx="1524564" cy="523220"/>
+              <a:off x="3882272" y="1728429"/>
+              <a:ext cx="1670296" cy="954107"/>
             </a:xfrm>
             <a:prstGeom prst="rect">
               <a:avLst/>
@@ -5030,51 +5000,24 @@
             </a:bodyPr>
             <a:lstStyle/>
             <a:p>
+              <a:pPr algn="ctr"/>
               <a:r>
-                <a:rPr kumimoji="1" lang="zh-CN" altLang="en-US" sz="1400" dirty="0">
+                <a:rPr kumimoji="1" lang="en-US" altLang="zh-CN" sz="1400" dirty="0">
                   <a:solidFill>
-                    <a:srgbClr val="737794"/>
+                    <a:srgbClr val="383C57"/>
                   </a:solidFill>
                   <a:latin typeface="Helvetica" pitchFamily="2" charset="0"/>
                 </a:rPr>
-                <a:t>开启</a:t>
+                <a:t>Configure the LDAP connection and map attributes </a:t>
               </a:r>
-              <a:r>
-                <a:rPr kumimoji="1" lang="en-US" altLang="zh-CN" sz="1400" dirty="0">
-                  <a:solidFill>
-                    <a:srgbClr val="737794"/>
-                  </a:solidFill>
-                  <a:latin typeface="Helvetica" pitchFamily="2" charset="0"/>
-                </a:rPr>
-                <a:t>/</a:t>
-              </a:r>
-              <a:r>
-                <a:rPr kumimoji="1" lang="zh-CN" altLang="en-US" sz="1400" dirty="0">
-                  <a:solidFill>
-                    <a:srgbClr val="737794"/>
-                  </a:solidFill>
-                  <a:latin typeface="Helvetica" pitchFamily="2" charset="0"/>
-                </a:rPr>
-                <a:t>关闭</a:t>
-              </a:r>
-              <a:r>
-                <a:rPr kumimoji="1" lang="en-US" altLang="zh-CN" sz="1400" dirty="0">
-                  <a:solidFill>
-                    <a:srgbClr val="737794"/>
-                  </a:solidFill>
-                  <a:latin typeface="Helvetica" pitchFamily="2" charset="0"/>
-                </a:rPr>
-                <a:t>LDAP</a:t>
-              </a:r>
-              <a:r>
-                <a:rPr kumimoji="1" lang="zh-CN" altLang="en-US" sz="1400" dirty="0">
-                  <a:solidFill>
-                    <a:srgbClr val="737794"/>
-                  </a:solidFill>
-                  <a:latin typeface="Helvetica" pitchFamily="2" charset="0"/>
-                </a:rPr>
-                <a:t>服务</a:t>
-              </a:r>
+            </a:p>
+            <a:p>
+              <a:endParaRPr kumimoji="1" lang="en-US" altLang="zh-CN" sz="1400" dirty="0">
+                <a:solidFill>
+                  <a:srgbClr val="383C57"/>
+                </a:solidFill>
+                <a:latin typeface="Helvetica" pitchFamily="2" charset="0"/>
+              </a:endParaRPr>
             </a:p>
           </p:txBody>
         </p:sp>
@@ -5092,8 +5035,8 @@
           </p:nvSpPr>
           <p:spPr>
             <a:xfrm>
-              <a:off x="6724098" y="1841673"/>
-              <a:ext cx="1817406" cy="523220"/>
+              <a:off x="6751662" y="1827687"/>
+              <a:ext cx="1772736" cy="523220"/>
             </a:xfrm>
             <a:prstGeom prst="rect">
               <a:avLst/>
@@ -5106,23 +5049,15 @@
             </a:bodyPr>
             <a:lstStyle/>
             <a:p>
+              <a:pPr algn="ctr"/>
               <a:r>
                 <a:rPr kumimoji="1" lang="en-US" altLang="zh-CN" sz="1400" dirty="0">
                   <a:solidFill>
-                    <a:srgbClr val="737794"/>
+                    <a:srgbClr val="383C57"/>
                   </a:solidFill>
                   <a:latin typeface="Helvetica" pitchFamily="2" charset="0"/>
                 </a:rPr>
-                <a:t>LDAP</a:t>
-              </a:r>
-              <a:r>
-                <a:rPr kumimoji="1" lang="zh-CN" altLang="en-US" sz="1400" dirty="0">
-                  <a:solidFill>
-                    <a:srgbClr val="737794"/>
-                  </a:solidFill>
-                  <a:latin typeface="Helvetica" pitchFamily="2" charset="0"/>
-                </a:rPr>
-                <a:t>服务配置、测试</a:t>
+                <a:t>Test LDAP connection</a:t>
               </a:r>
             </a:p>
           </p:txBody>
@@ -5143,8 +5078,8 @@
           </p:nvCxnSpPr>
           <p:spPr>
             <a:xfrm>
-              <a:off x="2999873" y="2103571"/>
-              <a:ext cx="465993" cy="0"/>
+              <a:off x="2936189" y="2084033"/>
+              <a:ext cx="654034" cy="0"/>
             </a:xfrm>
             <a:prstGeom prst="straightConnector1">
               <a:avLst/>
@@ -5205,29 +5140,14 @@
                 </a:lnSpc>
               </a:pPr>
               <a:r>
-                <a:rPr kumimoji="1" lang="zh-CN" altLang="en-US" sz="1400" dirty="0">
+                <a:rPr kumimoji="1" lang="en-US" altLang="zh-CN" sz="1400" dirty="0">
                   <a:solidFill>
-                    <a:srgbClr val="737794"/>
+                    <a:srgbClr val="383C57"/>
                   </a:solidFill>
                   <a:latin typeface="Helvetica" pitchFamily="2" charset="0"/>
                 </a:rPr>
-                <a:t>登录</a:t>
+                <a:t>Login to EnOS</a:t>
               </a:r>
-              <a:r>
-                <a:rPr kumimoji="1" lang="en-US" altLang="zh-CN" sz="1400" dirty="0" err="1">
-                  <a:solidFill>
-                    <a:srgbClr val="737794"/>
-                  </a:solidFill>
-                  <a:latin typeface="Helvetica" pitchFamily="2" charset="0"/>
-                </a:rPr>
-                <a:t>EnOS</a:t>
-              </a:r>
-              <a:endParaRPr kumimoji="1" lang="en-US" altLang="zh-CN" sz="1400" dirty="0">
-                <a:solidFill>
-                  <a:srgbClr val="737794"/>
-                </a:solidFill>
-                <a:latin typeface="Helvetica" pitchFamily="2" charset="0"/>
-              </a:endParaRPr>
             </a:p>
           </p:txBody>
         </p:sp>
@@ -5395,8 +5315,8 @@
           </p:nvSpPr>
           <p:spPr>
             <a:xfrm>
-              <a:off x="10140479" y="1949397"/>
-              <a:ext cx="1524564" cy="307777"/>
+              <a:off x="9983961" y="1833978"/>
+              <a:ext cx="1524564" cy="523220"/>
             </a:xfrm>
             <a:prstGeom prst="rect">
               <a:avLst/>
@@ -5410,13 +5330,13 @@
             <a:lstStyle/>
             <a:p>
               <a:r>
-                <a:rPr kumimoji="1" lang="zh-CN" altLang="en-US" sz="1400" dirty="0">
+                <a:rPr kumimoji="1" lang="en-US" altLang="zh-CN" sz="1400" dirty="0">
                   <a:solidFill>
-                    <a:srgbClr val="737794"/>
+                    <a:srgbClr val="383C57"/>
                   </a:solidFill>
                   <a:latin typeface="Helvetica" pitchFamily="2" charset="0"/>
                 </a:rPr>
-                <a:t>属性匹配</a:t>
+                <a:t>Enable LDAP federation</a:t>
               </a:r>
             </a:p>
           </p:txBody>
@@ -5435,8 +5355,8 @@
           </p:nvSpPr>
           <p:spPr>
             <a:xfrm>
-              <a:off x="13103485" y="1949396"/>
-              <a:ext cx="1204124" cy="307777"/>
+              <a:off x="12894171" y="1949396"/>
+              <a:ext cx="1543724" cy="307777"/>
             </a:xfrm>
             <a:prstGeom prst="rect">
               <a:avLst/>
@@ -5450,13 +5370,13 @@
             <a:lstStyle/>
             <a:p>
               <a:r>
-                <a:rPr kumimoji="1" lang="zh-CN" altLang="en-US" sz="1400" dirty="0">
+                <a:rPr kumimoji="1" lang="en-US" altLang="zh-CN" sz="1400" dirty="0">
                   <a:solidFill>
-                    <a:srgbClr val="737794"/>
+                    <a:srgbClr val="383C57"/>
                   </a:solidFill>
                   <a:latin typeface="Helvetica" pitchFamily="2" charset="0"/>
                 </a:rPr>
-                <a:t>账号导入</a:t>
+                <a:t>Import accounts</a:t>
               </a:r>
             </a:p>
           </p:txBody>
@@ -5563,7 +5483,7 @@
           </p:nvSpPr>
           <p:spPr>
             <a:xfrm>
-              <a:off x="6626815" y="5225085"/>
+              <a:off x="3710350" y="5225085"/>
               <a:ext cx="2041826" cy="1008000"/>
             </a:xfrm>
             <a:prstGeom prst="rect">
@@ -5669,8 +5589,8 @@
           </p:nvSpPr>
           <p:spPr>
             <a:xfrm>
-              <a:off x="6885446" y="5467475"/>
-              <a:ext cx="1524564" cy="523220"/>
+              <a:off x="3824738" y="5359753"/>
+              <a:ext cx="1783195" cy="738664"/>
             </a:xfrm>
             <a:prstGeom prst="rect">
               <a:avLst/>
@@ -5683,23 +5603,15 @@
             </a:bodyPr>
             <a:lstStyle/>
             <a:p>
+              <a:pPr algn="ctr"/>
               <a:r>
                 <a:rPr kumimoji="1" lang="en-US" altLang="zh-CN" sz="1400" dirty="0">
                   <a:solidFill>
-                    <a:srgbClr val="737794"/>
+                    <a:srgbClr val="383C57"/>
                   </a:solidFill>
                   <a:latin typeface="Helvetica" pitchFamily="2" charset="0"/>
                 </a:rPr>
-                <a:t>IAM</a:t>
-              </a:r>
-              <a:r>
-                <a:rPr kumimoji="1" lang="zh-CN" altLang="en-US" sz="1400" dirty="0">
-                  <a:solidFill>
-                    <a:srgbClr val="737794"/>
-                  </a:solidFill>
-                  <a:latin typeface="Helvetica" pitchFamily="2" charset="0"/>
-                </a:rPr>
-                <a:t>中查看用户信息</a:t>
+                <a:t>Check the LDAP User information in IAM</a:t>
               </a:r>
             </a:p>
           </p:txBody>
@@ -5718,8 +5630,8 @@
           </p:nvSpPr>
           <p:spPr>
             <a:xfrm>
-              <a:off x="16069634" y="1949395"/>
-              <a:ext cx="1399441" cy="307777"/>
+              <a:off x="15708429" y="1930145"/>
+              <a:ext cx="1760647" cy="307777"/>
             </a:xfrm>
             <a:prstGeom prst="rect">
               <a:avLst/>
@@ -5733,13 +5645,13 @@
             <a:lstStyle/>
             <a:p>
               <a:r>
-                <a:rPr kumimoji="1" lang="zh-CN" altLang="en-US" sz="1400" dirty="0">
+                <a:rPr kumimoji="1" lang="en-US" altLang="zh-CN" sz="1400" dirty="0">
                   <a:solidFill>
-                    <a:srgbClr val="737794"/>
+                    <a:srgbClr val="383C57"/>
                   </a:solidFill>
                   <a:latin typeface="Helvetica" pitchFamily="2" charset="0"/>
                 </a:rPr>
-                <a:t>配置完成</a:t>
+                <a:t>Finish configuration</a:t>
               </a:r>
             </a:p>
           </p:txBody>
@@ -5802,7 +5714,7 @@
           </p:nvSpPr>
           <p:spPr>
             <a:xfrm>
-              <a:off x="6626815" y="3412328"/>
+              <a:off x="3710350" y="3412328"/>
               <a:ext cx="2041826" cy="1008000"/>
             </a:xfrm>
             <a:prstGeom prst="rect">
@@ -5856,8 +5768,8 @@
           </p:nvSpPr>
           <p:spPr>
             <a:xfrm>
-              <a:off x="6947418" y="3654718"/>
-              <a:ext cx="1399441" cy="523220"/>
+              <a:off x="3942773" y="3546996"/>
+              <a:ext cx="1576980" cy="738664"/>
             </a:xfrm>
             <a:prstGeom prst="rect">
               <a:avLst/>
@@ -5870,32 +5782,15 @@
             </a:bodyPr>
             <a:lstStyle/>
             <a:p>
+              <a:pPr algn="ctr"/>
               <a:r>
-                <a:rPr kumimoji="1" lang="zh-CN" altLang="en-US" sz="1400" dirty="0">
+                <a:rPr kumimoji="1" lang="en-US" altLang="zh-CN" sz="1400" dirty="0">
                   <a:solidFill>
-                    <a:srgbClr val="737794"/>
+                    <a:srgbClr val="383C57"/>
                   </a:solidFill>
                   <a:latin typeface="Helvetica" pitchFamily="2" charset="0"/>
                 </a:rPr>
-                <a:t>查看已有</a:t>
-              </a:r>
-              <a:r>
-                <a:rPr kumimoji="1" lang="en-US" altLang="zh-CN" sz="1400" dirty="0">
-                  <a:solidFill>
-                    <a:srgbClr val="737794"/>
-                  </a:solidFill>
-                  <a:latin typeface="Helvetica" pitchFamily="2" charset="0"/>
-                </a:rPr>
-                <a:t>LDAP</a:t>
-              </a:r>
-              <a:r>
-                <a:rPr kumimoji="1" lang="zh-CN" altLang="en-US" sz="1400" dirty="0">
-                  <a:solidFill>
-                    <a:srgbClr val="737794"/>
-                  </a:solidFill>
-                  <a:latin typeface="Helvetica" pitchFamily="2" charset="0"/>
-                </a:rPr>
-                <a:t>服务</a:t>
+                <a:t>Check the existed LDAP connection</a:t>
               </a:r>
             </a:p>
           </p:txBody>
@@ -5917,8 +5812,8 @@
           </p:nvCxnSpPr>
           <p:spPr>
             <a:xfrm rot="16200000" flipH="1">
-              <a:off x="3543250" y="1126326"/>
-              <a:ext cx="1008000" cy="4572000"/>
+              <a:off x="2081422" y="2287399"/>
+              <a:ext cx="1308757" cy="1949100"/>
             </a:xfrm>
             <a:prstGeom prst="bentConnector2">
               <a:avLst/>
@@ -5956,16 +5851,19 @@
             </p:cNvPr>
             <p:cNvCxnSpPr>
               <a:cxnSpLocks/>
+              <a:endCxn id="29" idx="3"/>
             </p:cNvCxnSpPr>
             <p:nvPr/>
           </p:nvCxnSpPr>
           <p:spPr>
-            <a:xfrm rot="5400000">
-              <a:off x="10771244" y="1126326"/>
-              <a:ext cx="1008000" cy="4572000"/>
+            <a:xfrm rot="10800000" flipV="1">
+              <a:off x="5752177" y="2824832"/>
+              <a:ext cx="7913857" cy="1091496"/>
             </a:xfrm>
-            <a:prstGeom prst="bentConnector2">
-              <a:avLst/>
+            <a:prstGeom prst="bentConnector3">
+              <a:avLst>
+                <a:gd name="adj1" fmla="val 12"/>
+              </a:avLst>
             </a:prstGeom>
             <a:ln w="25400">
               <a:solidFill>
@@ -6052,7 +5950,7 @@
           </p:nvCxnSpPr>
           <p:spPr>
             <a:xfrm flipV="1">
-              <a:off x="7647138" y="2680447"/>
+              <a:off x="4730673" y="2680447"/>
               <a:ext cx="0" cy="620079"/>
             </a:xfrm>
             <a:prstGeom prst="straightConnector1">
@@ -6096,7 +5994,7 @@
           </p:nvCxnSpPr>
           <p:spPr>
             <a:xfrm rot="16200000">
-              <a:off x="7400938" y="4854654"/>
+              <a:off x="4484473" y="4854654"/>
               <a:ext cx="465993" cy="0"/>
             </a:xfrm>
             <a:prstGeom prst="straightConnector1">
@@ -6138,7 +6036,7 @@
           </p:nvSpPr>
           <p:spPr>
             <a:xfrm>
-              <a:off x="5916219" y="1964783"/>
+              <a:off x="2999757" y="1955158"/>
               <a:ext cx="454565" cy="261610"/>
             </a:xfrm>
             <a:prstGeom prst="rect">
@@ -6154,14 +6052,24 @@
             </a:bodyPr>
             <a:lstStyle/>
             <a:p>
+              <a:pPr algn="dist"/>
               <a:r>
-                <a:rPr kumimoji="1" lang="zh-CN" altLang="en-US" sz="1100" spc="-150" dirty="0">
+                <a:rPr kumimoji="1" lang="en-US" altLang="zh-CN" sz="1100" spc="-150" dirty="0">
                   <a:solidFill>
-                    <a:srgbClr val="BCBDD0"/>
+                    <a:srgbClr val="A2A5BC"/>
                   </a:solidFill>
+                  <a:latin typeface="Helvetica" panose="020B0604020202020204" pitchFamily="34" charset="0"/>
+                  <a:cs typeface="Helvetica" panose="020B0604020202020204" pitchFamily="34" charset="0"/>
                 </a:rPr>
-                <a:t>新建</a:t>
+                <a:t>New</a:t>
               </a:r>
+              <a:endParaRPr kumimoji="1" lang="zh-CN" altLang="en-US" sz="1100" spc="-150" dirty="0">
+                <a:solidFill>
+                  <a:srgbClr val="A2A5BC"/>
+                </a:solidFill>
+                <a:latin typeface="Helvetica" panose="020B0604020202020204" pitchFamily="34" charset="0"/>
+                <a:cs typeface="Helvetica" panose="020B0604020202020204" pitchFamily="34" charset="0"/>
+              </a:endParaRPr>
             </a:p>
           </p:txBody>
         </p:sp>
@@ -6179,8 +6087,8 @@
           </p:nvSpPr>
           <p:spPr>
             <a:xfrm>
-              <a:off x="7400916" y="2878770"/>
-              <a:ext cx="492443" cy="276999"/>
+              <a:off x="4484450" y="2878770"/>
+              <a:ext cx="443673" cy="261610"/>
             </a:xfrm>
             <a:prstGeom prst="rect">
               <a:avLst/>
@@ -6190,19 +6098,29 @@
             </a:solidFill>
           </p:spPr>
           <p:txBody>
-            <a:bodyPr wrap="none" rtlCol="0">
+            <a:bodyPr wrap="square" rtlCol="0">
               <a:spAutoFit/>
             </a:bodyPr>
             <a:lstStyle/>
             <a:p>
+              <a:pPr algn="dist"/>
               <a:r>
-                <a:rPr kumimoji="1" lang="zh-CN" altLang="en-US" sz="1200" dirty="0">
+                <a:rPr kumimoji="1" lang="en-US" altLang="zh-CN" sz="1100" spc="-150" dirty="0">
                   <a:solidFill>
-                    <a:srgbClr val="BCBDD0"/>
+                    <a:srgbClr val="A2A5BC"/>
                   </a:solidFill>
+                  <a:latin typeface="Helvetica" panose="020B0604020202020204" pitchFamily="34" charset="0"/>
+                  <a:cs typeface="Helvetica" panose="020B0604020202020204" pitchFamily="34" charset="0"/>
                 </a:rPr>
-                <a:t>编辑</a:t>
+                <a:t>Edit</a:t>
               </a:r>
+              <a:endParaRPr kumimoji="1" lang="zh-CN" altLang="en-US" sz="1100" spc="-150" dirty="0">
+                <a:solidFill>
+                  <a:srgbClr val="A2A5BC"/>
+                </a:solidFill>
+                <a:latin typeface="Helvetica" panose="020B0604020202020204" pitchFamily="34" charset="0"/>
+                <a:cs typeface="Helvetica" panose="020B0604020202020204" pitchFamily="34" charset="0"/>
+              </a:endParaRPr>
             </a:p>
           </p:txBody>
         </p:sp>
@@ -6645,7 +6563,7 @@
           <a:p>
             <a:pPr algn="ctr"/>
             <a:r>
-              <a:rPr kumimoji="1" lang="en-US" altLang="zh-CN" b="1" dirty="0" err="1">
+              <a:rPr kumimoji="1" lang="en-US" altLang="zh-CN" b="1" dirty="0">
                 <a:solidFill>
                   <a:schemeClr val="bg1"/>
                 </a:solidFill>
@@ -6785,7 +6703,7 @@
           <a:lstStyle/>
           <a:p>
             <a:r>
-              <a:rPr kumimoji="1" lang="en-US" altLang="zh-CN" sz="1600" dirty="0" err="1">
+              <a:rPr kumimoji="1" lang="en-US" altLang="zh-CN" sz="1600" dirty="0">
                 <a:solidFill>
                   <a:srgbClr val="A2A5BD"/>
                 </a:solidFill>
@@ -8141,7 +8059,7 @@
           <a:p>
             <a:pPr algn="ctr"/>
             <a:r>
-              <a:rPr kumimoji="1" lang="en-US" altLang="zh-CN" b="1" dirty="0" err="1">
+              <a:rPr kumimoji="1" lang="en-US" altLang="zh-CN" b="1" dirty="0">
                 <a:solidFill>
                   <a:schemeClr val="bg1"/>
                 </a:solidFill>
@@ -8281,7 +8199,7 @@
           <a:lstStyle/>
           <a:p>
             <a:r>
-              <a:rPr kumimoji="1" lang="en-US" altLang="zh-CN" sz="1600" dirty="0" err="1">
+              <a:rPr kumimoji="1" lang="en-US" altLang="zh-CN" sz="1600" dirty="0">
                 <a:solidFill>
                   <a:srgbClr val="A2A5BD"/>
                 </a:solidFill>
@@ -9261,10 +9179,10 @@
       </p:grpSpPr>
       <p:grpSp>
         <p:nvGrpSpPr>
-          <p:cNvPr id="128" name="组合 127">
+          <p:cNvPr id="7" name="组合 6">
             <a:extLst>
               <a:ext uri="{FF2B5EF4-FFF2-40B4-BE49-F238E27FC236}">
-                <a16:creationId xmlns:a16="http://schemas.microsoft.com/office/drawing/2014/main" id="{5CCB7623-80CB-1449-93AC-FE09CA8BD8D4}"/>
+                <a16:creationId xmlns:a16="http://schemas.microsoft.com/office/drawing/2014/main" id="{016BCA10-41C9-564E-A5F4-D2BDF4C7B43F}"/>
               </a:ext>
             </a:extLst>
           </p:cNvPr>
@@ -9281,7 +9199,7 @@
         </p:grpSpPr>
         <p:sp>
           <p:nvSpPr>
-            <p:cNvPr id="5" name="矩形 4">
+            <p:cNvPr id="61" name="矩形 4">
               <a:extLst>
                 <a:ext uri="{FF2B5EF4-FFF2-40B4-BE49-F238E27FC236}">
                   <a16:creationId xmlns:a16="http://schemas.microsoft.com/office/drawing/2014/main" id="{27F6FEFB-059F-1F43-91A5-A6C115FE1BF2}"/>
@@ -9335,7 +9253,7 @@
         </p:sp>
         <p:sp>
           <p:nvSpPr>
-            <p:cNvPr id="6" name="文本框 5">
+            <p:cNvPr id="62" name="文本框 5">
               <a:extLst>
                 <a:ext uri="{FF2B5EF4-FFF2-40B4-BE49-F238E27FC236}">
                   <a16:creationId xmlns:a16="http://schemas.microsoft.com/office/drawing/2014/main" id="{227100E5-7A52-C948-89D5-36507E6F4147}"/>
@@ -9362,20 +9280,26 @@
             <a:lstStyle/>
             <a:p>
               <a:r>
-                <a:rPr kumimoji="1" lang="zh-CN" altLang="en-US" sz="1600" b="1" dirty="0">
+                <a:rPr kumimoji="1" lang="en-US" altLang="zh-CN" sz="1600" b="1" dirty="0">
                   <a:solidFill>
                     <a:srgbClr val="737794"/>
                   </a:solidFill>
                   <a:latin typeface="Helvetica" pitchFamily="2" charset="0"/>
                 </a:rPr>
-                <a:t>用户</a:t>
+                <a:t>User</a:t>
               </a:r>
+              <a:endParaRPr kumimoji="1" lang="zh-CN" altLang="en-US" sz="1600" b="1" dirty="0">
+                <a:solidFill>
+                  <a:srgbClr val="737794"/>
+                </a:solidFill>
+                <a:latin typeface="Helvetica" pitchFamily="2" charset="0"/>
+              </a:endParaRPr>
             </a:p>
           </p:txBody>
         </p:sp>
         <p:sp>
           <p:nvSpPr>
-            <p:cNvPr id="7" name="文本框 6">
+            <p:cNvPr id="63" name="文本框 6">
               <a:extLst>
                 <a:ext uri="{FF2B5EF4-FFF2-40B4-BE49-F238E27FC236}">
                   <a16:creationId xmlns:a16="http://schemas.microsoft.com/office/drawing/2014/main" id="{3E928494-CA2E-C846-B399-6227BFEEE119}"/>
@@ -9387,7 +9311,7 @@
           </p:nvSpPr>
           <p:spPr>
             <a:xfrm>
-              <a:off x="871751" y="-633851"/>
+              <a:off x="762823" y="-645220"/>
               <a:ext cx="1268745" cy="338554"/>
             </a:xfrm>
             <a:prstGeom prst="rect">
@@ -9402,21 +9326,28 @@
             <a:lstStyle/>
             <a:p>
               <a:r>
-                <a:rPr kumimoji="1" lang="zh-CN" altLang="en-US" sz="1600" dirty="0">
+                <a:rPr kumimoji="1" lang="en-US" altLang="zh-CN" sz="1600" dirty="0">
                   <a:solidFill>
-                    <a:srgbClr val="A2A5BD"/>
+                    <a:srgbClr val="737893"/>
                   </a:solidFill>
                   <a:latin typeface="Helvetica Light" panose="020B0403020202020204" pitchFamily="34" charset="0"/>
                   <a:cs typeface="Arial" panose="020B0604020202020204" pitchFamily="34" charset="0"/>
                 </a:rPr>
-                <a:t>用户分类</a:t>
+                <a:t>User Type</a:t>
               </a:r>
+              <a:endParaRPr kumimoji="1" lang="zh-CN" altLang="en-US" sz="1600" dirty="0">
+                <a:solidFill>
+                  <a:srgbClr val="737893"/>
+                </a:solidFill>
+                <a:latin typeface="Helvetica Light" panose="020B0403020202020204" pitchFamily="34" charset="0"/>
+                <a:cs typeface="Arial" panose="020B0604020202020204" pitchFamily="34" charset="0"/>
+              </a:endParaRPr>
             </a:p>
           </p:txBody>
         </p:sp>
         <p:sp>
           <p:nvSpPr>
-            <p:cNvPr id="8" name="矩形 7">
+            <p:cNvPr id="64" name="矩形 7">
               <a:extLst>
                 <a:ext uri="{FF2B5EF4-FFF2-40B4-BE49-F238E27FC236}">
                   <a16:creationId xmlns:a16="http://schemas.microsoft.com/office/drawing/2014/main" id="{11EB028F-E73A-C04F-A2D0-5E9F208C48EE}"/>
@@ -9468,7 +9399,7 @@
         </p:sp>
         <p:sp>
           <p:nvSpPr>
-            <p:cNvPr id="9" name="文本框 8">
+            <p:cNvPr id="65" name="文本框 8">
               <a:extLst>
                 <a:ext uri="{FF2B5EF4-FFF2-40B4-BE49-F238E27FC236}">
                   <a16:creationId xmlns:a16="http://schemas.microsoft.com/office/drawing/2014/main" id="{80DB3302-BD57-F240-A8D8-3BD8DE6E7AEE}"/>
@@ -9480,8 +9411,8 @@
           </p:nvSpPr>
           <p:spPr>
             <a:xfrm>
-              <a:off x="754764" y="67998"/>
-              <a:ext cx="1210588" cy="338554"/>
+              <a:off x="761135" y="68123"/>
+              <a:ext cx="1154483" cy="338554"/>
             </a:xfrm>
             <a:prstGeom prst="rect">
               <a:avLst/>
@@ -9494,21 +9425,28 @@
             </a:bodyPr>
             <a:lstStyle/>
             <a:p>
+              <a:pPr algn="ctr"/>
               <a:r>
-                <a:rPr kumimoji="1" lang="zh-CN" altLang="en-US" sz="1600" dirty="0">
+                <a:rPr kumimoji="1" lang="en-US" altLang="zh-CN" sz="1600" dirty="0">
                   <a:solidFill>
-                    <a:srgbClr val="737794"/>
+                    <a:srgbClr val="383C57"/>
                   </a:solidFill>
                   <a:latin typeface="Helvetica Light" panose="020B0403020202020204" pitchFamily="34" charset="0"/>
                 </a:rPr>
-                <a:t>系统管理员</a:t>
+                <a:t>OU Owner</a:t>
               </a:r>
+              <a:endParaRPr kumimoji="1" lang="zh-CN" altLang="en-US" sz="1600" dirty="0">
+                <a:solidFill>
+                  <a:srgbClr val="383C57"/>
+                </a:solidFill>
+                <a:latin typeface="Helvetica Light" panose="020B0403020202020204" pitchFamily="34" charset="0"/>
+              </a:endParaRPr>
             </a:p>
           </p:txBody>
         </p:sp>
         <p:sp>
           <p:nvSpPr>
-            <p:cNvPr id="10" name="文本框 9">
+            <p:cNvPr id="66" name="文本框 9">
               <a:extLst>
                 <a:ext uri="{FF2B5EF4-FFF2-40B4-BE49-F238E27FC236}">
                   <a16:creationId xmlns:a16="http://schemas.microsoft.com/office/drawing/2014/main" id="{CE7C7EDE-476B-824A-A3D6-D2B524BB4483}"/>
@@ -9520,8 +9458,8 @@
           </p:nvSpPr>
           <p:spPr>
             <a:xfrm>
-              <a:off x="754277" y="664263"/>
-              <a:ext cx="1210588" cy="338554"/>
+              <a:off x="738172" y="631479"/>
+              <a:ext cx="1184928" cy="338554"/>
             </a:xfrm>
             <a:prstGeom prst="rect">
               <a:avLst/>
@@ -9529,26 +9467,32 @@
             <a:noFill/>
           </p:spPr>
           <p:txBody>
-            <a:bodyPr wrap="none" rtlCol="0">
+            <a:bodyPr wrap="square" rtlCol="0">
               <a:spAutoFit/>
             </a:bodyPr>
             <a:lstStyle/>
             <a:p>
               <a:r>
-                <a:rPr kumimoji="1" lang="zh-CN" altLang="en-US" sz="1600" dirty="0">
+                <a:rPr kumimoji="1" lang="en-US" altLang="zh-CN" sz="1600" dirty="0">
                   <a:solidFill>
-                    <a:srgbClr val="737794"/>
+                    <a:srgbClr val="383C57"/>
                   </a:solidFill>
                   <a:latin typeface="Helvetica Light" panose="020B0403020202020204" pitchFamily="34" charset="0"/>
                 </a:rPr>
-                <a:t>组织管理员</a:t>
+                <a:t>OU Admin</a:t>
               </a:r>
+              <a:endParaRPr kumimoji="1" lang="zh-CN" altLang="en-US" sz="1600" dirty="0">
+                <a:solidFill>
+                  <a:srgbClr val="383C57"/>
+                </a:solidFill>
+                <a:latin typeface="Helvetica Light" panose="020B0403020202020204" pitchFamily="34" charset="0"/>
+              </a:endParaRPr>
             </a:p>
           </p:txBody>
         </p:sp>
         <p:sp>
           <p:nvSpPr>
-            <p:cNvPr id="11" name="文本框 10">
+            <p:cNvPr id="67" name="文本框 10">
               <a:extLst>
                 <a:ext uri="{FF2B5EF4-FFF2-40B4-BE49-F238E27FC236}">
                   <a16:creationId xmlns:a16="http://schemas.microsoft.com/office/drawing/2014/main" id="{155C215D-EF50-5745-BE47-24E775AA7ADB}"/>
@@ -9560,8 +9504,8 @@
           </p:nvSpPr>
           <p:spPr>
             <a:xfrm>
-              <a:off x="754277" y="1260528"/>
-              <a:ext cx="1005403" cy="338554"/>
+              <a:off x="745812" y="1241956"/>
+              <a:ext cx="1616876" cy="338554"/>
             </a:xfrm>
             <a:prstGeom prst="rect">
               <a:avLst/>
@@ -9569,26 +9513,32 @@
             <a:noFill/>
           </p:spPr>
           <p:txBody>
-            <a:bodyPr wrap="none" rtlCol="0">
+            <a:bodyPr wrap="square" rtlCol="0">
               <a:spAutoFit/>
             </a:bodyPr>
             <a:lstStyle/>
             <a:p>
               <a:r>
-                <a:rPr kumimoji="1" lang="zh-CN" altLang="en-US" sz="1600" dirty="0">
+                <a:rPr kumimoji="1" lang="en-US" altLang="zh-CN" sz="1600" dirty="0">
                   <a:solidFill>
-                    <a:srgbClr val="737794"/>
+                    <a:srgbClr val="383C57"/>
                   </a:solidFill>
                   <a:latin typeface="Helvetica Light" panose="020B0403020202020204" pitchFamily="34" charset="0"/>
                 </a:rPr>
-                <a:t>各类用户</a:t>
+                <a:t>Ordinary User</a:t>
               </a:r>
+              <a:endParaRPr kumimoji="1" lang="zh-CN" altLang="en-US" sz="1600" dirty="0">
+                <a:solidFill>
+                  <a:srgbClr val="383C57"/>
+                </a:solidFill>
+                <a:latin typeface="Helvetica Light" panose="020B0403020202020204" pitchFamily="34" charset="0"/>
+              </a:endParaRPr>
             </a:p>
           </p:txBody>
         </p:sp>
         <p:sp>
           <p:nvSpPr>
-            <p:cNvPr id="12" name="矩形 11">
+            <p:cNvPr id="68" name="矩形 11">
               <a:extLst>
                 <a:ext uri="{FF2B5EF4-FFF2-40B4-BE49-F238E27FC236}">
                   <a16:creationId xmlns:a16="http://schemas.microsoft.com/office/drawing/2014/main" id="{F3F10282-7854-254F-BB39-E9BF89C7E013}"/>
@@ -9640,7 +9590,7 @@
         </p:sp>
         <p:sp>
           <p:nvSpPr>
-            <p:cNvPr id="13" name="矩形 12">
+            <p:cNvPr id="69" name="矩形 12">
               <a:extLst>
                 <a:ext uri="{FF2B5EF4-FFF2-40B4-BE49-F238E27FC236}">
                   <a16:creationId xmlns:a16="http://schemas.microsoft.com/office/drawing/2014/main" id="{FDE82924-FB0D-0147-879F-A48858ECC7FA}"/>
@@ -9689,7 +9639,7 @@
             <a:p>
               <a:pPr algn="ctr"/>
               <a:r>
-                <a:rPr kumimoji="1" lang="en-US" altLang="zh-CN" b="1" dirty="0" err="1">
+                <a:rPr kumimoji="1" lang="en-US" altLang="zh-CN" b="1" dirty="0">
                   <a:solidFill>
                     <a:schemeClr val="bg1"/>
                   </a:solidFill>
@@ -9708,7 +9658,7 @@
         </p:sp>
         <p:sp>
           <p:nvSpPr>
-            <p:cNvPr id="14" name="矩形 13">
+            <p:cNvPr id="70" name="矩形 13">
               <a:extLst>
                 <a:ext uri="{FF2B5EF4-FFF2-40B4-BE49-F238E27FC236}">
                   <a16:creationId xmlns:a16="http://schemas.microsoft.com/office/drawing/2014/main" id="{651D5C23-A1E6-8E48-A817-8472EA3C4BD2}"/>
@@ -9762,7 +9712,7 @@
         </p:sp>
         <p:sp>
           <p:nvSpPr>
-            <p:cNvPr id="15" name="文本框 14">
+            <p:cNvPr id="71" name="文本框 14">
               <a:extLst>
                 <a:ext uri="{FF2B5EF4-FFF2-40B4-BE49-F238E27FC236}">
                   <a16:creationId xmlns:a16="http://schemas.microsoft.com/office/drawing/2014/main" id="{60D607F5-2E12-4F48-98B1-EC6D5F85E0E2}"/>
@@ -9789,20 +9739,20 @@
             <a:lstStyle/>
             <a:p>
               <a:r>
-                <a:rPr kumimoji="1" lang="zh-CN" altLang="en-US" sz="1600" b="1" dirty="0">
+                <a:rPr kumimoji="1" lang="en-US" altLang="zh-CN" sz="1600" b="1" dirty="0">
                   <a:solidFill>
                     <a:srgbClr val="737794"/>
                   </a:solidFill>
                   <a:latin typeface="Helvetica" pitchFamily="2" charset="0"/>
                 </a:rPr>
-                <a:t>系统登录</a:t>
+                <a:t>Login</a:t>
               </a:r>
             </a:p>
           </p:txBody>
         </p:sp>
         <p:sp>
           <p:nvSpPr>
-            <p:cNvPr id="16" name="文本框 15">
+            <p:cNvPr id="72" name="文本框 15">
               <a:extLst>
                 <a:ext uri="{FF2B5EF4-FFF2-40B4-BE49-F238E27FC236}">
                   <a16:creationId xmlns:a16="http://schemas.microsoft.com/office/drawing/2014/main" id="{7D547BFD-BD9E-F442-B78F-E0CF32DDE2D8}"/>
@@ -9814,8 +9764,49 @@
           </p:nvSpPr>
           <p:spPr>
             <a:xfrm>
-              <a:off x="3364762" y="-639792"/>
-              <a:ext cx="1268745" cy="338554"/>
+              <a:off x="3136451" y="-652657"/>
+              <a:ext cx="1782061" cy="338554"/>
+            </a:xfrm>
+            <a:prstGeom prst="rect">
+              <a:avLst/>
+            </a:prstGeom>
+            <a:noFill/>
+          </p:spPr>
+          <p:txBody>
+            <a:bodyPr wrap="square" rtlCol="0">
+              <a:spAutoFit/>
+            </a:bodyPr>
+            <a:lstStyle/>
+            <a:p>
+              <a:r>
+                <a:rPr kumimoji="1" lang="en-US" altLang="zh-CN" sz="1600" dirty="0">
+                  <a:solidFill>
+                    <a:srgbClr val="737893"/>
+                  </a:solidFill>
+                  <a:latin typeface="Helvetica Light" panose="020B0403020202020204" pitchFamily="34" charset="0"/>
+                  <a:cs typeface="Arial" panose="020B0604020202020204" pitchFamily="34" charset="0"/>
+                </a:rPr>
+                <a:t>EnOS Account</a:t>
+              </a:r>
+            </a:p>
+          </p:txBody>
+        </p:sp>
+        <p:sp>
+          <p:nvSpPr>
+            <p:cNvPr id="73" name="文本框 16">
+              <a:extLst>
+                <a:ext uri="{FF2B5EF4-FFF2-40B4-BE49-F238E27FC236}">
+                  <a16:creationId xmlns:a16="http://schemas.microsoft.com/office/drawing/2014/main" id="{79862AE0-A2F8-4E42-A94C-95AE4313EF56}"/>
+                </a:ext>
+              </a:extLst>
+            </p:cNvPr>
+            <p:cNvSpPr txBox="1"/>
+            <p:nvPr/>
+          </p:nvSpPr>
+          <p:spPr>
+            <a:xfrm>
+              <a:off x="3209384" y="77821"/>
+              <a:ext cx="1652359" cy="338554"/>
             </a:xfrm>
             <a:prstGeom prst="rect">
               <a:avLst/>
@@ -9831,69 +9822,36 @@
               <a:r>
                 <a:rPr kumimoji="1" lang="en-US" altLang="zh-CN" sz="1600" dirty="0" err="1">
                   <a:solidFill>
-                    <a:srgbClr val="A2A5BD"/>
+                    <a:srgbClr val="383C57"/>
                   </a:solidFill>
                   <a:latin typeface="Helvetica Light" panose="020B0403020202020204" pitchFamily="34" charset="0"/>
-                  <a:cs typeface="Arial" panose="020B0604020202020204" pitchFamily="34" charset="0"/>
                 </a:rPr>
                 <a:t>EnOS</a:t>
               </a:r>
               <a:r>
                 <a:rPr kumimoji="1" lang="zh-CN" altLang="en-US" sz="1600" dirty="0">
                   <a:solidFill>
-                    <a:srgbClr val="A2A5BD"/>
+                    <a:srgbClr val="383C57"/>
                   </a:solidFill>
                   <a:latin typeface="Helvetica Light" panose="020B0403020202020204" pitchFamily="34" charset="0"/>
-                  <a:cs typeface="Arial" panose="020B0604020202020204" pitchFamily="34" charset="0"/>
                 </a:rPr>
-                <a:t>账号</a:t>
+                <a:t> </a:t>
+              </a:r>
+              <a:r>
+                <a:rPr kumimoji="1" lang="en-US" altLang="zh-CN" sz="1600" dirty="0">
+                  <a:solidFill>
+                    <a:srgbClr val="383C57"/>
+                  </a:solidFill>
+                  <a:latin typeface="Helvetica Light" panose="020B0403020202020204" pitchFamily="34" charset="0"/>
+                </a:rPr>
+                <a:t>Account</a:t>
               </a:r>
             </a:p>
           </p:txBody>
         </p:sp>
         <p:sp>
           <p:nvSpPr>
-            <p:cNvPr id="17" name="文本框 16">
-              <a:extLst>
-                <a:ext uri="{FF2B5EF4-FFF2-40B4-BE49-F238E27FC236}">
-                  <a16:creationId xmlns:a16="http://schemas.microsoft.com/office/drawing/2014/main" id="{79862AE0-A2F8-4E42-A94C-95AE4313EF56}"/>
-                </a:ext>
-              </a:extLst>
-            </p:cNvPr>
-            <p:cNvSpPr txBox="1"/>
-            <p:nvPr/>
-          </p:nvSpPr>
-          <p:spPr>
-            <a:xfrm>
-              <a:off x="3231479" y="78173"/>
-              <a:ext cx="1005403" cy="338554"/>
-            </a:xfrm>
-            <a:prstGeom prst="rect">
-              <a:avLst/>
-            </a:prstGeom>
-            <a:noFill/>
-          </p:spPr>
-          <p:txBody>
-            <a:bodyPr wrap="none" rtlCol="0">
-              <a:spAutoFit/>
-            </a:bodyPr>
-            <a:lstStyle/>
-            <a:p>
-              <a:r>
-                <a:rPr kumimoji="1" lang="zh-CN" altLang="en-US" sz="1600" dirty="0">
-                  <a:solidFill>
-                    <a:srgbClr val="737794"/>
-                  </a:solidFill>
-                  <a:latin typeface="Helvetica Light" panose="020B0403020202020204" pitchFamily="34" charset="0"/>
-                </a:rPr>
-                <a:t>系统创建</a:t>
-              </a:r>
-            </a:p>
-          </p:txBody>
-        </p:sp>
-        <p:sp>
-          <p:nvSpPr>
-            <p:cNvPr id="18" name="文本框 17">
+            <p:cNvPr id="75" name="文本框 17">
               <a:extLst>
                 <a:ext uri="{FF2B5EF4-FFF2-40B4-BE49-F238E27FC236}">
                   <a16:creationId xmlns:a16="http://schemas.microsoft.com/office/drawing/2014/main" id="{8D12D18D-1196-9243-A240-1DE1911FEA91}"/>
@@ -9905,8 +9863,8 @@
           </p:nvSpPr>
           <p:spPr>
             <a:xfrm>
-              <a:off x="3231479" y="1280878"/>
-              <a:ext cx="1322798" cy="338554"/>
+              <a:off x="3263367" y="1280878"/>
+              <a:ext cx="1592332" cy="338554"/>
             </a:xfrm>
             <a:prstGeom prst="rect">
               <a:avLst/>
@@ -9914,44 +9872,32 @@
             <a:noFill/>
           </p:spPr>
           <p:txBody>
-            <a:bodyPr wrap="none" rtlCol="0">
+            <a:bodyPr wrap="square" rtlCol="0">
               <a:spAutoFit/>
             </a:bodyPr>
             <a:lstStyle/>
             <a:p>
               <a:r>
-                <a:rPr kumimoji="1" lang="zh-CN" altLang="en-US" sz="1600" dirty="0">
+                <a:rPr kumimoji="1" lang="en-US" altLang="zh-CN" sz="1600" dirty="0">
                   <a:solidFill>
-                    <a:srgbClr val="737794"/>
+                    <a:srgbClr val="383C57"/>
                   </a:solidFill>
                   <a:latin typeface="Helvetica Light" panose="020B0403020202020204" pitchFamily="34" charset="0"/>
                 </a:rPr>
-                <a:t>由</a:t>
+                <a:t>LDAP Account</a:t>
               </a:r>
-              <a:r>
-                <a:rPr kumimoji="1" lang="en-US" altLang="zh-CN" sz="1600" dirty="0">
-                  <a:solidFill>
-                    <a:srgbClr val="737794"/>
-                  </a:solidFill>
-                  <a:latin typeface="Helvetica Light" panose="020B0403020202020204" pitchFamily="34" charset="0"/>
-                </a:rPr>
-                <a:t>LDAP</a:t>
-              </a:r>
-              <a:r>
-                <a:rPr kumimoji="1" lang="zh-CN" altLang="en-US" sz="1600" dirty="0">
-                  <a:solidFill>
-                    <a:srgbClr val="737794"/>
-                  </a:solidFill>
-                  <a:latin typeface="Helvetica Light" panose="020B0403020202020204" pitchFamily="34" charset="0"/>
-                </a:rPr>
-                <a:t>导入</a:t>
-              </a:r>
+              <a:endParaRPr kumimoji="1" lang="zh-CN" altLang="en-US" sz="1600" dirty="0">
+                <a:solidFill>
+                  <a:srgbClr val="383C57"/>
+                </a:solidFill>
+                <a:latin typeface="Helvetica Light" panose="020B0403020202020204" pitchFamily="34" charset="0"/>
+              </a:endParaRPr>
             </a:p>
           </p:txBody>
         </p:sp>
         <p:sp>
           <p:nvSpPr>
-            <p:cNvPr id="19" name="矩形 18">
+            <p:cNvPr id="76" name="矩形 18">
               <a:extLst>
                 <a:ext uri="{FF2B5EF4-FFF2-40B4-BE49-F238E27FC236}">
                   <a16:creationId xmlns:a16="http://schemas.microsoft.com/office/drawing/2014/main" id="{EC5A0A3D-C827-704E-86B7-99A469638CEC}"/>
@@ -10003,7 +9949,7 @@
         </p:sp>
         <p:sp>
           <p:nvSpPr>
-            <p:cNvPr id="20" name="矩形 19">
+            <p:cNvPr id="77" name="矩形 19">
               <a:extLst>
                 <a:ext uri="{FF2B5EF4-FFF2-40B4-BE49-F238E27FC236}">
                   <a16:creationId xmlns:a16="http://schemas.microsoft.com/office/drawing/2014/main" id="{E09C021A-AAF7-144F-8F58-C94698074A30}"/>
@@ -10057,7 +10003,7 @@
         </p:sp>
         <p:sp>
           <p:nvSpPr>
-            <p:cNvPr id="21" name="文本框 20">
+            <p:cNvPr id="78" name="文本框 20">
               <a:extLst>
                 <a:ext uri="{FF2B5EF4-FFF2-40B4-BE49-F238E27FC236}">
                   <a16:creationId xmlns:a16="http://schemas.microsoft.com/office/drawing/2014/main" id="{48EA87A6-2EFF-0E46-8D88-445DDD0DCCFA}"/>
@@ -10069,8 +10015,8 @@
           </p:nvSpPr>
           <p:spPr>
             <a:xfrm>
-              <a:off x="5707707" y="-641288"/>
-              <a:ext cx="1418811" cy="338554"/>
+              <a:off x="5542209" y="-641288"/>
+              <a:ext cx="1584310" cy="338554"/>
             </a:xfrm>
             <a:prstGeom prst="rect">
               <a:avLst/>
@@ -10086,29 +10032,26 @@
               <a:r>
                 <a:rPr kumimoji="1" lang="en-US" altLang="zh-CN" sz="1600" dirty="0">
                   <a:solidFill>
-                    <a:srgbClr val="A2A5BD"/>
+                    <a:srgbClr val="737893"/>
                   </a:solidFill>
                   <a:latin typeface="Helvetica Light" panose="020B0403020202020204" pitchFamily="34" charset="0"/>
                   <a:cs typeface="Arial" panose="020B0604020202020204" pitchFamily="34" charset="0"/>
                 </a:rPr>
-                <a:t>IAM</a:t>
+                <a:t>Authentication</a:t>
               </a:r>
-              <a:r>
-                <a:rPr kumimoji="1" lang="zh-CN" altLang="en-US" sz="1600" dirty="0">
-                  <a:solidFill>
-                    <a:srgbClr val="A2A5BD"/>
-                  </a:solidFill>
-                  <a:latin typeface="Helvetica Light" panose="020B0403020202020204" pitchFamily="34" charset="0"/>
-                  <a:cs typeface="Arial" panose="020B0604020202020204" pitchFamily="34" charset="0"/>
-                </a:rPr>
-                <a:t>登录鉴权</a:t>
-              </a:r>
+              <a:endParaRPr kumimoji="1" lang="zh-CN" altLang="en-US" sz="1600" dirty="0">
+                <a:solidFill>
+                  <a:srgbClr val="737893"/>
+                </a:solidFill>
+                <a:latin typeface="Helvetica Light" panose="020B0403020202020204" pitchFamily="34" charset="0"/>
+                <a:cs typeface="Arial" panose="020B0604020202020204" pitchFamily="34" charset="0"/>
+              </a:endParaRPr>
             </a:p>
           </p:txBody>
         </p:sp>
         <p:sp>
           <p:nvSpPr>
-            <p:cNvPr id="22" name="文本框 21">
+            <p:cNvPr id="92" name="文本框 21">
               <a:extLst>
                 <a:ext uri="{FF2B5EF4-FFF2-40B4-BE49-F238E27FC236}">
                   <a16:creationId xmlns:a16="http://schemas.microsoft.com/office/drawing/2014/main" id="{6CEB0822-C052-D946-B382-941EE996677B}"/>
@@ -10121,7 +10064,7 @@
           <p:spPr>
             <a:xfrm>
               <a:off x="5708194" y="88348"/>
-              <a:ext cx="800219" cy="338554"/>
+              <a:ext cx="1130438" cy="338554"/>
             </a:xfrm>
             <a:prstGeom prst="rect">
               <a:avLst/>
@@ -10135,20 +10078,26 @@
             <a:lstStyle/>
             <a:p>
               <a:r>
-                <a:rPr kumimoji="1" lang="zh-CN" altLang="en-US" sz="1600" dirty="0">
+                <a:rPr kumimoji="1" lang="en-US" altLang="zh-CN" sz="1600" dirty="0">
                   <a:solidFill>
-                    <a:srgbClr val="737794"/>
+                    <a:srgbClr val="383C57"/>
                   </a:solidFill>
                   <a:latin typeface="Helvetica Light" panose="020B0403020202020204" pitchFamily="34" charset="0"/>
                 </a:rPr>
-                <a:t>用户名</a:t>
+                <a:t>Username</a:t>
               </a:r>
+              <a:endParaRPr kumimoji="1" lang="zh-CN" altLang="en-US" sz="1600" dirty="0">
+                <a:solidFill>
+                  <a:srgbClr val="383C57"/>
+                </a:solidFill>
+                <a:latin typeface="Helvetica Light" panose="020B0403020202020204" pitchFamily="34" charset="0"/>
+              </a:endParaRPr>
             </a:p>
           </p:txBody>
         </p:sp>
         <p:sp>
           <p:nvSpPr>
-            <p:cNvPr id="23" name="文本框 22">
+            <p:cNvPr id="93" name="文本框 22">
               <a:extLst>
                 <a:ext uri="{FF2B5EF4-FFF2-40B4-BE49-F238E27FC236}">
                   <a16:creationId xmlns:a16="http://schemas.microsoft.com/office/drawing/2014/main" id="{F139D576-DB02-D441-80A4-032E72FC9248}"/>
@@ -10161,7 +10110,7 @@
           <p:spPr>
             <a:xfrm>
               <a:off x="5707707" y="684613"/>
-              <a:ext cx="595035" cy="338554"/>
+              <a:ext cx="1083951" cy="338554"/>
             </a:xfrm>
             <a:prstGeom prst="rect">
               <a:avLst/>
@@ -10175,20 +10124,26 @@
             <a:lstStyle/>
             <a:p>
               <a:r>
-                <a:rPr kumimoji="1" lang="zh-CN" altLang="en-US" sz="1600" dirty="0">
+                <a:rPr kumimoji="1" lang="en-US" altLang="zh-CN" sz="1600" dirty="0">
                   <a:solidFill>
-                    <a:srgbClr val="737794"/>
+                    <a:srgbClr val="383C57"/>
                   </a:solidFill>
                   <a:latin typeface="Helvetica Light" panose="020B0403020202020204" pitchFamily="34" charset="0"/>
                 </a:rPr>
-                <a:t>密码</a:t>
+                <a:t>Password</a:t>
               </a:r>
+              <a:endParaRPr kumimoji="1" lang="zh-CN" altLang="en-US" sz="1600" dirty="0">
+                <a:solidFill>
+                  <a:srgbClr val="383C57"/>
+                </a:solidFill>
+                <a:latin typeface="Helvetica Light" panose="020B0403020202020204" pitchFamily="34" charset="0"/>
+              </a:endParaRPr>
             </a:p>
           </p:txBody>
         </p:sp>
         <p:sp>
           <p:nvSpPr>
-            <p:cNvPr id="24" name="矩形 23">
+            <p:cNvPr id="94" name="矩形 23">
               <a:extLst>
                 <a:ext uri="{FF2B5EF4-FFF2-40B4-BE49-F238E27FC236}">
                   <a16:creationId xmlns:a16="http://schemas.microsoft.com/office/drawing/2014/main" id="{2EFD19AA-A081-7340-A985-1B81283626B5}"/>
@@ -10240,7 +10195,7 @@
         </p:sp>
         <p:sp>
           <p:nvSpPr>
-            <p:cNvPr id="25" name="文本框 24">
+            <p:cNvPr id="95" name="文本框 24">
               <a:extLst>
                 <a:ext uri="{FF2B5EF4-FFF2-40B4-BE49-F238E27FC236}">
                   <a16:creationId xmlns:a16="http://schemas.microsoft.com/office/drawing/2014/main" id="{0B6881A6-8F29-464F-960E-F1859992DE44}"/>
@@ -10252,7 +10207,7 @@
           </p:nvSpPr>
           <p:spPr>
             <a:xfrm>
-              <a:off x="6636161" y="-1141986"/>
+              <a:off x="7171868" y="-1141986"/>
               <a:ext cx="1682376" cy="338554"/>
             </a:xfrm>
             <a:prstGeom prst="rect">
@@ -10267,20 +10222,26 @@
             <a:lstStyle/>
             <a:p>
               <a:r>
-                <a:rPr kumimoji="1" lang="zh-CN" altLang="en-US" sz="1600" b="1" dirty="0">
+                <a:rPr kumimoji="1" lang="en-US" altLang="zh-CN" sz="1600" b="1" dirty="0">
                   <a:solidFill>
                     <a:srgbClr val="737794"/>
                   </a:solidFill>
                   <a:latin typeface="Helvetica" pitchFamily="2" charset="0"/>
                 </a:rPr>
-                <a:t>权限与访问控制</a:t>
+                <a:t>IAM</a:t>
               </a:r>
+              <a:endParaRPr kumimoji="1" lang="zh-CN" altLang="en-US" sz="1600" b="1" dirty="0">
+                <a:solidFill>
+                  <a:srgbClr val="737794"/>
+                </a:solidFill>
+                <a:latin typeface="Helvetica" pitchFamily="2" charset="0"/>
+              </a:endParaRPr>
             </a:p>
           </p:txBody>
         </p:sp>
         <p:sp>
           <p:nvSpPr>
-            <p:cNvPr id="26" name="矩形 25">
+            <p:cNvPr id="96" name="矩形 25">
               <a:extLst>
                 <a:ext uri="{FF2B5EF4-FFF2-40B4-BE49-F238E27FC236}">
                   <a16:creationId xmlns:a16="http://schemas.microsoft.com/office/drawing/2014/main" id="{32BCD958-9B19-FF42-BFF8-08968BBCB3FD}"/>
@@ -10332,7 +10293,7 @@
         </p:sp>
         <p:sp>
           <p:nvSpPr>
-            <p:cNvPr id="27" name="文本框 26">
+            <p:cNvPr id="97" name="文本框 26">
               <a:extLst>
                 <a:ext uri="{FF2B5EF4-FFF2-40B4-BE49-F238E27FC236}">
                   <a16:creationId xmlns:a16="http://schemas.microsoft.com/office/drawing/2014/main" id="{3D624DD6-AC98-9443-88A7-F4D968034ED6}"/>
@@ -10345,7 +10306,7 @@
           <p:spPr>
             <a:xfrm>
               <a:off x="10384678" y="-1140562"/>
-              <a:ext cx="1004915" cy="338554"/>
+              <a:ext cx="1139843" cy="338554"/>
             </a:xfrm>
             <a:prstGeom prst="rect">
               <a:avLst/>
@@ -10359,20 +10320,26 @@
             <a:lstStyle/>
             <a:p>
               <a:r>
-                <a:rPr kumimoji="1" lang="zh-CN" altLang="en-US" sz="1600" b="1" dirty="0">
+                <a:rPr kumimoji="1" lang="en-US" altLang="zh-CN" sz="1600" b="1" dirty="0">
                   <a:solidFill>
                     <a:srgbClr val="737794"/>
                   </a:solidFill>
                   <a:latin typeface="Helvetica" pitchFamily="2" charset="0"/>
                 </a:rPr>
-                <a:t>资源访问</a:t>
+                <a:t>Resource</a:t>
               </a:r>
+              <a:endParaRPr kumimoji="1" lang="zh-CN" altLang="en-US" sz="1600" b="1" dirty="0">
+                <a:solidFill>
+                  <a:srgbClr val="737794"/>
+                </a:solidFill>
+                <a:latin typeface="Helvetica" pitchFamily="2" charset="0"/>
+              </a:endParaRPr>
             </a:p>
           </p:txBody>
         </p:sp>
         <p:sp>
           <p:nvSpPr>
-            <p:cNvPr id="28" name="矩形 27">
+            <p:cNvPr id="98" name="矩形 27">
               <a:extLst>
                 <a:ext uri="{FF2B5EF4-FFF2-40B4-BE49-F238E27FC236}">
                   <a16:creationId xmlns:a16="http://schemas.microsoft.com/office/drawing/2014/main" id="{1B91641D-BD7F-D741-B0C0-E2C9938A62B5}"/>
@@ -10424,7 +10391,7 @@
         </p:sp>
         <p:sp>
           <p:nvSpPr>
-            <p:cNvPr id="29" name="文本框 28">
+            <p:cNvPr id="99" name="文本框 28">
               <a:extLst>
                 <a:ext uri="{FF2B5EF4-FFF2-40B4-BE49-F238E27FC236}">
                   <a16:creationId xmlns:a16="http://schemas.microsoft.com/office/drawing/2014/main" id="{26AD0E2D-F0FC-194D-96FE-494D76B01E20}"/>
@@ -10437,7 +10404,7 @@
           <p:spPr>
             <a:xfrm>
               <a:off x="7677143" y="88348"/>
-              <a:ext cx="595035" cy="338554"/>
+              <a:ext cx="617477" cy="338554"/>
             </a:xfrm>
             <a:prstGeom prst="rect">
               <a:avLst/>
@@ -10451,20 +10418,26 @@
             <a:lstStyle/>
             <a:p>
               <a:r>
-                <a:rPr kumimoji="1" lang="zh-CN" altLang="en-US" sz="1600" dirty="0">
+                <a:rPr kumimoji="1" lang="en-US" altLang="zh-CN" sz="1600" dirty="0">
                   <a:solidFill>
-                    <a:srgbClr val="737794"/>
+                    <a:srgbClr val="383C57"/>
                   </a:solidFill>
                   <a:latin typeface="Helvetica Light" panose="020B0403020202020204" pitchFamily="34" charset="0"/>
                 </a:rPr>
-                <a:t>用户</a:t>
+                <a:t>User</a:t>
               </a:r>
+              <a:endParaRPr kumimoji="1" lang="zh-CN" altLang="en-US" sz="1600" dirty="0">
+                <a:solidFill>
+                  <a:srgbClr val="383C57"/>
+                </a:solidFill>
+                <a:latin typeface="Helvetica Light" panose="020B0403020202020204" pitchFamily="34" charset="0"/>
+              </a:endParaRPr>
             </a:p>
           </p:txBody>
         </p:sp>
         <p:sp>
           <p:nvSpPr>
-            <p:cNvPr id="30" name="文本框 29">
+            <p:cNvPr id="100" name="文本框 29">
               <a:extLst>
                 <a:ext uri="{FF2B5EF4-FFF2-40B4-BE49-F238E27FC236}">
                   <a16:creationId xmlns:a16="http://schemas.microsoft.com/office/drawing/2014/main" id="{959BD1E2-E65D-FE4D-8276-964C4870F142}"/>
@@ -10477,7 +10450,7 @@
           <p:spPr>
             <a:xfrm>
               <a:off x="7676656" y="684613"/>
-              <a:ext cx="800219" cy="338554"/>
+              <a:ext cx="1257075" cy="338554"/>
             </a:xfrm>
             <a:prstGeom prst="rect">
               <a:avLst/>
@@ -10491,20 +10464,26 @@
             <a:lstStyle/>
             <a:p>
               <a:r>
-                <a:rPr kumimoji="1" lang="zh-CN" altLang="en-US" sz="1600" dirty="0">
+                <a:rPr kumimoji="1" lang="en-US" altLang="zh-CN" sz="1600" dirty="0">
                   <a:solidFill>
-                    <a:srgbClr val="737794"/>
+                    <a:srgbClr val="383C57"/>
                   </a:solidFill>
                   <a:latin typeface="Helvetica Light" panose="020B0403020202020204" pitchFamily="34" charset="0"/>
                 </a:rPr>
-                <a:t>用户组</a:t>
+                <a:t>User Group</a:t>
               </a:r>
+              <a:endParaRPr kumimoji="1" lang="zh-CN" altLang="en-US" sz="1600" dirty="0">
+                <a:solidFill>
+                  <a:srgbClr val="383C57"/>
+                </a:solidFill>
+                <a:latin typeface="Helvetica Light" panose="020B0403020202020204" pitchFamily="34" charset="0"/>
+              </a:endParaRPr>
             </a:p>
           </p:txBody>
         </p:sp>
         <p:sp>
           <p:nvSpPr>
-            <p:cNvPr id="31" name="文本框 30">
+            <p:cNvPr id="102" name="文本框 30">
               <a:extLst>
                 <a:ext uri="{FF2B5EF4-FFF2-40B4-BE49-F238E27FC236}">
                   <a16:creationId xmlns:a16="http://schemas.microsoft.com/office/drawing/2014/main" id="{CEB284F4-00A0-7147-92DC-EDCA453850FA}"/>
@@ -10517,7 +10496,7 @@
           <p:spPr>
             <a:xfrm>
               <a:off x="7676656" y="1280878"/>
-              <a:ext cx="595035" cy="338554"/>
+              <a:ext cx="729687" cy="338554"/>
             </a:xfrm>
             <a:prstGeom prst="rect">
               <a:avLst/>
@@ -10531,20 +10510,26 @@
             <a:lstStyle/>
             <a:p>
               <a:r>
-                <a:rPr kumimoji="1" lang="zh-CN" altLang="en-US" sz="1600" dirty="0">
+                <a:rPr kumimoji="1" lang="en-US" altLang="zh-CN" sz="1600" dirty="0">
                   <a:solidFill>
-                    <a:srgbClr val="737794"/>
+                    <a:srgbClr val="383C57"/>
                   </a:solidFill>
                   <a:latin typeface="Helvetica Light" panose="020B0403020202020204" pitchFamily="34" charset="0"/>
                 </a:rPr>
-                <a:t>策略</a:t>
+                <a:t>Policy</a:t>
               </a:r>
+              <a:endParaRPr kumimoji="1" lang="zh-CN" altLang="en-US" sz="1600" dirty="0">
+                <a:solidFill>
+                  <a:srgbClr val="383C57"/>
+                </a:solidFill>
+                <a:latin typeface="Helvetica Light" panose="020B0403020202020204" pitchFamily="34" charset="0"/>
+              </a:endParaRPr>
             </a:p>
           </p:txBody>
         </p:sp>
         <p:sp>
           <p:nvSpPr>
-            <p:cNvPr id="32" name="文本框 31">
+            <p:cNvPr id="105" name="文本框 31">
               <a:extLst>
                 <a:ext uri="{FF2B5EF4-FFF2-40B4-BE49-F238E27FC236}">
                   <a16:creationId xmlns:a16="http://schemas.microsoft.com/office/drawing/2014/main" id="{716CFBC3-4FF6-EE48-883D-DFB22E13256D}"/>
@@ -10556,7 +10541,7 @@
           </p:nvSpPr>
           <p:spPr>
             <a:xfrm>
-              <a:off x="7395227" y="-652657"/>
+              <a:off x="7515834" y="-652657"/>
               <a:ext cx="1854373" cy="338554"/>
             </a:xfrm>
             <a:prstGeom prst="rect">
@@ -10573,29 +10558,26 @@
               <a:r>
                 <a:rPr kumimoji="1" lang="en-US" altLang="zh-CN" sz="1600" dirty="0">
                   <a:solidFill>
-                    <a:srgbClr val="A2A5BD"/>
+                    <a:srgbClr val="737893"/>
                   </a:solidFill>
                   <a:latin typeface="Helvetica Light" panose="020B0403020202020204" pitchFamily="34" charset="0"/>
                   <a:cs typeface="Arial" panose="020B0604020202020204" pitchFamily="34" charset="0"/>
                 </a:rPr>
-                <a:t>IAM</a:t>
+                <a:t>Access Control</a:t>
               </a:r>
-              <a:r>
-                <a:rPr kumimoji="1" lang="zh-CN" altLang="en-US" sz="1600" dirty="0">
-                  <a:solidFill>
-                    <a:srgbClr val="A2A5BD"/>
-                  </a:solidFill>
-                  <a:latin typeface="Helvetica Light" panose="020B0403020202020204" pitchFamily="34" charset="0"/>
-                  <a:cs typeface="Arial" panose="020B0604020202020204" pitchFamily="34" charset="0"/>
-                </a:rPr>
-                <a:t>访问策略执行</a:t>
-              </a:r>
+              <a:endParaRPr kumimoji="1" lang="zh-CN" altLang="en-US" sz="1600" dirty="0">
+                <a:solidFill>
+                  <a:srgbClr val="737893"/>
+                </a:solidFill>
+                <a:latin typeface="Helvetica Light" panose="020B0403020202020204" pitchFamily="34" charset="0"/>
+                <a:cs typeface="Arial" panose="020B0604020202020204" pitchFamily="34" charset="0"/>
+              </a:endParaRPr>
             </a:p>
           </p:txBody>
         </p:sp>
         <p:sp>
           <p:nvSpPr>
-            <p:cNvPr id="33" name="文本框 32">
+            <p:cNvPr id="107" name="文本框 32">
               <a:extLst>
                 <a:ext uri="{FF2B5EF4-FFF2-40B4-BE49-F238E27FC236}">
                   <a16:creationId xmlns:a16="http://schemas.microsoft.com/office/drawing/2014/main" id="{82A48078-18D5-B345-9808-F3691A779BAD}"/>
@@ -10607,8 +10589,8 @@
           </p:nvSpPr>
           <p:spPr>
             <a:xfrm>
-              <a:off x="10174441" y="402395"/>
-              <a:ext cx="1425390" cy="338554"/>
+              <a:off x="10011742" y="413304"/>
+              <a:ext cx="1792769" cy="338554"/>
             </a:xfrm>
             <a:prstGeom prst="rect">
               <a:avLst/>
@@ -10616,26 +10598,32 @@
             <a:noFill/>
           </p:spPr>
           <p:txBody>
-            <a:bodyPr wrap="none" rtlCol="0">
+            <a:bodyPr wrap="square" rtlCol="0">
               <a:spAutoFit/>
             </a:bodyPr>
             <a:lstStyle/>
             <a:p>
               <a:r>
-                <a:rPr kumimoji="1" lang="zh-CN" altLang="en-US" sz="1600" dirty="0">
+                <a:rPr kumimoji="1" lang="en-US" altLang="zh-CN" sz="1600" dirty="0">
                   <a:solidFill>
-                    <a:srgbClr val="A2A5BD"/>
+                    <a:srgbClr val="383C57"/>
                   </a:solidFill>
                   <a:latin typeface="Helvetica Light" panose="020B0403020202020204" pitchFamily="34" charset="0"/>
                 </a:rPr>
-                <a:t>平台应用数据</a:t>
+                <a:t>Application Data</a:t>
               </a:r>
+              <a:endParaRPr kumimoji="1" lang="zh-CN" altLang="en-US" sz="1600" dirty="0">
+                <a:solidFill>
+                  <a:srgbClr val="383C57"/>
+                </a:solidFill>
+                <a:latin typeface="Helvetica Light" panose="020B0403020202020204" pitchFamily="34" charset="0"/>
+              </a:endParaRPr>
             </a:p>
           </p:txBody>
         </p:sp>
         <p:pic>
           <p:nvPicPr>
-            <p:cNvPr id="34" name="图形 33">
+            <p:cNvPr id="109" name="图形 33">
               <a:extLst>
                 <a:ext uri="{FF2B5EF4-FFF2-40B4-BE49-F238E27FC236}">
                   <a16:creationId xmlns:a16="http://schemas.microsoft.com/office/drawing/2014/main" id="{10041D98-A003-4143-BA01-2AC380BBC845}"/>
@@ -10671,7 +10659,7 @@
         </p:pic>
         <p:pic>
           <p:nvPicPr>
-            <p:cNvPr id="35" name="图形 34">
+            <p:cNvPr id="110" name="图形 34">
               <a:extLst>
                 <a:ext uri="{FF2B5EF4-FFF2-40B4-BE49-F238E27FC236}">
                   <a16:creationId xmlns:a16="http://schemas.microsoft.com/office/drawing/2014/main" id="{1E5482A6-776D-1942-83E7-8CEF300CEB39}"/>
@@ -10697,7 +10685,7 @@
           </p:blipFill>
           <p:spPr>
             <a:xfrm>
-              <a:off x="6308585" y="-1140694"/>
+              <a:off x="6844292" y="-1140694"/>
               <a:ext cx="276000" cy="331200"/>
             </a:xfrm>
             <a:prstGeom prst="rect">
@@ -10707,7 +10695,7 @@
         </p:pic>
         <p:pic>
           <p:nvPicPr>
-            <p:cNvPr id="36" name="图形 35">
+            <p:cNvPr id="111" name="图形 35">
               <a:extLst>
                 <a:ext uri="{FF2B5EF4-FFF2-40B4-BE49-F238E27FC236}">
                   <a16:creationId xmlns:a16="http://schemas.microsoft.com/office/drawing/2014/main" id="{308348A2-A983-9341-9363-43B41AD1A0C7}"/>
@@ -10743,7 +10731,7 @@
         </p:pic>
         <p:pic>
           <p:nvPicPr>
-            <p:cNvPr id="37" name="图形 36">
+            <p:cNvPr id="113" name="图形 36">
               <a:extLst>
                 <a:ext uri="{FF2B5EF4-FFF2-40B4-BE49-F238E27FC236}">
                   <a16:creationId xmlns:a16="http://schemas.microsoft.com/office/drawing/2014/main" id="{D756E204-0888-984C-B17B-75E211DA1B04}"/>
@@ -10779,7 +10767,7 @@
         </p:pic>
         <p:sp>
           <p:nvSpPr>
-            <p:cNvPr id="74" name="矩形 73">
+            <p:cNvPr id="114" name="矩形 73">
               <a:extLst>
                 <a:ext uri="{FF2B5EF4-FFF2-40B4-BE49-F238E27FC236}">
                   <a16:creationId xmlns:a16="http://schemas.microsoft.com/office/drawing/2014/main" id="{97E97BD8-3B36-1943-A8A2-88919BE3F52D}"/>
@@ -10831,7 +10819,7 @@
         </p:sp>
         <p:sp>
           <p:nvSpPr>
-            <p:cNvPr id="79" name="矩形 78">
+            <p:cNvPr id="115" name="矩形 78">
               <a:extLst>
                 <a:ext uri="{FF2B5EF4-FFF2-40B4-BE49-F238E27FC236}">
                   <a16:creationId xmlns:a16="http://schemas.microsoft.com/office/drawing/2014/main" id="{3B52475F-4EFC-8640-ACEF-DAC3477ABF09}"/>
@@ -10899,7 +10887,7 @@
         </p:sp>
         <p:sp>
           <p:nvSpPr>
-            <p:cNvPr id="80" name="矩形 79">
+            <p:cNvPr id="116" name="矩形 79">
               <a:extLst>
                 <a:ext uri="{FF2B5EF4-FFF2-40B4-BE49-F238E27FC236}">
                   <a16:creationId xmlns:a16="http://schemas.microsoft.com/office/drawing/2014/main" id="{3A0E0186-9101-F541-838F-EBD59A7BD2C5}"/>
@@ -10953,7 +10941,7 @@
         </p:sp>
         <p:sp>
           <p:nvSpPr>
-            <p:cNvPr id="81" name="文本框 80">
+            <p:cNvPr id="117" name="文本框 80">
               <a:extLst>
                 <a:ext uri="{FF2B5EF4-FFF2-40B4-BE49-F238E27FC236}">
                   <a16:creationId xmlns:a16="http://schemas.microsoft.com/office/drawing/2014/main" id="{E6723DFC-5FBA-0442-B934-565777665E79}"/>
@@ -10966,7 +10954,7 @@
           <p:spPr>
             <a:xfrm>
               <a:off x="3496676" y="2820413"/>
-              <a:ext cx="1199339" cy="338554"/>
+              <a:ext cx="1437250" cy="338554"/>
             </a:xfrm>
             <a:prstGeom prst="rect">
               <a:avLst/>
@@ -10995,14 +10983,29 @@
                   </a:solidFill>
                   <a:latin typeface="Helvetica" pitchFamily="2" charset="0"/>
                 </a:rPr>
-                <a:t>登录</a:t>
+                <a:t> </a:t>
               </a:r>
+              <a:r>
+                <a:rPr kumimoji="1" lang="en-US" altLang="zh-CN" sz="1600" b="1" dirty="0">
+                  <a:solidFill>
+                    <a:srgbClr val="737794"/>
+                  </a:solidFill>
+                  <a:latin typeface="Helvetica" pitchFamily="2" charset="0"/>
+                </a:rPr>
+                <a:t>Login</a:t>
+              </a:r>
+              <a:endParaRPr kumimoji="1" lang="zh-CN" altLang="en-US" sz="1600" b="1" dirty="0">
+                <a:solidFill>
+                  <a:srgbClr val="737794"/>
+                </a:solidFill>
+                <a:latin typeface="Helvetica" pitchFamily="2" charset="0"/>
+              </a:endParaRPr>
             </a:p>
           </p:txBody>
         </p:sp>
         <p:sp>
           <p:nvSpPr>
-            <p:cNvPr id="82" name="文本框 81">
+            <p:cNvPr id="119" name="文本框 81">
               <a:extLst>
                 <a:ext uri="{FF2B5EF4-FFF2-40B4-BE49-F238E27FC236}">
                   <a16:creationId xmlns:a16="http://schemas.microsoft.com/office/drawing/2014/main" id="{E3A8DD08-BEB5-D841-8BA5-4EE116CD4C57}"/>
@@ -11014,8 +11017,8 @@
           </p:nvSpPr>
           <p:spPr>
             <a:xfrm>
-              <a:off x="3364762" y="3322607"/>
-              <a:ext cx="1268745" cy="338554"/>
+              <a:off x="3126406" y="3347119"/>
+              <a:ext cx="1932699" cy="338554"/>
             </a:xfrm>
             <a:prstGeom prst="rect">
               <a:avLst/>
@@ -11031,7 +11034,7 @@
               <a:r>
                 <a:rPr kumimoji="1" lang="en-US" altLang="zh-CN" sz="1600" dirty="0">
                   <a:solidFill>
-                    <a:srgbClr val="A2A5BD"/>
+                    <a:srgbClr val="737893"/>
                   </a:solidFill>
                   <a:latin typeface="Helvetica Light" panose="020B0403020202020204" pitchFamily="34" charset="0"/>
                   <a:cs typeface="Arial" panose="020B0604020202020204" pitchFamily="34" charset="0"/>
@@ -11041,19 +11044,36 @@
               <a:r>
                 <a:rPr kumimoji="1" lang="zh-CN" altLang="en-US" sz="1600" dirty="0">
                   <a:solidFill>
-                    <a:srgbClr val="A2A5BD"/>
+                    <a:srgbClr val="737893"/>
                   </a:solidFill>
                   <a:latin typeface="Helvetica Light" panose="020B0403020202020204" pitchFamily="34" charset="0"/>
                   <a:cs typeface="Arial" panose="020B0604020202020204" pitchFamily="34" charset="0"/>
                 </a:rPr>
-                <a:t>账号</a:t>
+                <a:t> </a:t>
               </a:r>
+              <a:r>
+                <a:rPr kumimoji="1" lang="en-US" altLang="zh-CN" sz="1600" dirty="0">
+                  <a:solidFill>
+                    <a:srgbClr val="737893"/>
+                  </a:solidFill>
+                  <a:latin typeface="Helvetica Light" panose="020B0403020202020204" pitchFamily="34" charset="0"/>
+                  <a:cs typeface="Arial" panose="020B0604020202020204" pitchFamily="34" charset="0"/>
+                </a:rPr>
+                <a:t>Account</a:t>
+              </a:r>
+              <a:endParaRPr kumimoji="1" lang="zh-CN" altLang="en-US" sz="1600" dirty="0">
+                <a:solidFill>
+                  <a:srgbClr val="737893"/>
+                </a:solidFill>
+                <a:latin typeface="Helvetica Light" panose="020B0403020202020204" pitchFamily="34" charset="0"/>
+                <a:cs typeface="Arial" panose="020B0604020202020204" pitchFamily="34" charset="0"/>
+              </a:endParaRPr>
             </a:p>
           </p:txBody>
         </p:sp>
         <p:sp>
           <p:nvSpPr>
-            <p:cNvPr id="83" name="文本框 82">
+            <p:cNvPr id="120" name="文本框 82">
               <a:extLst>
                 <a:ext uri="{FF2B5EF4-FFF2-40B4-BE49-F238E27FC236}">
                   <a16:creationId xmlns:a16="http://schemas.microsoft.com/office/drawing/2014/main" id="{1D81E634-CAEA-1E4E-96EF-60DCB951B96A}"/>
@@ -11065,8 +11085,8 @@
           </p:nvSpPr>
           <p:spPr>
             <a:xfrm>
-              <a:off x="3068194" y="4040572"/>
-              <a:ext cx="1370888" cy="338554"/>
+              <a:off x="3045485" y="3994406"/>
+              <a:ext cx="1834717" cy="338554"/>
             </a:xfrm>
             <a:prstGeom prst="rect">
               <a:avLst/>
@@ -11074,32 +11094,23 @@
             <a:noFill/>
           </p:spPr>
           <p:txBody>
-            <a:bodyPr wrap="none" rtlCol="0">
+            <a:bodyPr wrap="square" rtlCol="0">
               <a:spAutoFit/>
             </a:bodyPr>
             <a:lstStyle/>
             <a:p>
               <a:r>
-                <a:rPr kumimoji="1" lang="zh-CN" altLang="en-US" sz="1600" dirty="0">
+                <a:rPr kumimoji="1" lang="en-US" altLang="zh-CN" sz="1600" dirty="0">
                   <a:solidFill>
-                    <a:srgbClr val="737794"/>
+                    <a:srgbClr val="383C57"/>
                   </a:solidFill>
                   <a:latin typeface="Helvetica Light" panose="020B0403020202020204" pitchFamily="34" charset="0"/>
                 </a:rPr>
-                <a:t>批量导入</a:t>
-              </a:r>
-              <a:r>
-                <a:rPr kumimoji="1" lang="en-US" altLang="zh-CN" sz="1600" dirty="0">
-                  <a:solidFill>
-                    <a:srgbClr val="737794"/>
-                  </a:solidFill>
-                  <a:latin typeface="Helvetica Light" panose="020B0403020202020204" pitchFamily="34" charset="0"/>
-                </a:rPr>
-                <a:t>IAM</a:t>
+                <a:t>Import in Batch</a:t>
               </a:r>
               <a:endParaRPr kumimoji="1" lang="zh-CN" altLang="en-US" sz="1600" dirty="0">
                 <a:solidFill>
-                  <a:srgbClr val="737794"/>
+                  <a:srgbClr val="383C57"/>
                 </a:solidFill>
                 <a:latin typeface="Helvetica Light" panose="020B0403020202020204" pitchFamily="34" charset="0"/>
               </a:endParaRPr>
@@ -11108,7 +11119,7 @@
         </p:sp>
         <p:sp>
           <p:nvSpPr>
-            <p:cNvPr id="84" name="文本框 83">
+            <p:cNvPr id="121" name="文本框 83">
               <a:extLst>
                 <a:ext uri="{FF2B5EF4-FFF2-40B4-BE49-F238E27FC236}">
                   <a16:creationId xmlns:a16="http://schemas.microsoft.com/office/drawing/2014/main" id="{24C8B30D-AF42-7040-A991-51DF23584076}"/>
@@ -11120,8 +11131,8 @@
           </p:nvSpPr>
           <p:spPr>
             <a:xfrm>
-              <a:off x="3067707" y="4636837"/>
-              <a:ext cx="1781257" cy="338554"/>
+              <a:off x="2951824" y="4690974"/>
+              <a:ext cx="2347928" cy="338554"/>
             </a:xfrm>
             <a:prstGeom prst="rect">
               <a:avLst/>
@@ -11129,32 +11140,23 @@
             <a:noFill/>
           </p:spPr>
           <p:txBody>
-            <a:bodyPr wrap="none" rtlCol="0">
+            <a:bodyPr wrap="square" rtlCol="0">
               <a:spAutoFit/>
             </a:bodyPr>
             <a:lstStyle/>
             <a:p>
               <a:r>
-                <a:rPr kumimoji="1" lang="zh-CN" altLang="en-US" sz="1600" dirty="0">
+                <a:rPr kumimoji="1" lang="en-US" altLang="zh-CN" sz="1600" dirty="0">
                   <a:solidFill>
-                    <a:srgbClr val="737794"/>
+                    <a:srgbClr val="383C57"/>
                   </a:solidFill>
                   <a:latin typeface="Helvetica Light" panose="020B0403020202020204" pitchFamily="34" charset="0"/>
                 </a:rPr>
-                <a:t>首次登录导入</a:t>
-              </a:r>
-              <a:r>
-                <a:rPr kumimoji="1" lang="en-US" altLang="zh-CN" sz="1600" dirty="0">
-                  <a:solidFill>
-                    <a:srgbClr val="737794"/>
-                  </a:solidFill>
-                  <a:latin typeface="Helvetica Light" panose="020B0403020202020204" pitchFamily="34" charset="0"/>
-                </a:rPr>
-                <a:t>IAM</a:t>
+                <a:t>Import Individually</a:t>
               </a:r>
               <a:endParaRPr kumimoji="1" lang="zh-CN" altLang="en-US" sz="1600" dirty="0">
                 <a:solidFill>
-                  <a:srgbClr val="737794"/>
+                  <a:srgbClr val="383C57"/>
                 </a:solidFill>
                 <a:latin typeface="Helvetica Light" panose="020B0403020202020204" pitchFamily="34" charset="0"/>
               </a:endParaRPr>
@@ -11163,7 +11165,7 @@
         </p:sp>
         <p:sp>
           <p:nvSpPr>
-            <p:cNvPr id="85" name="矩形 84">
+            <p:cNvPr id="124" name="矩形 84">
               <a:extLst>
                 <a:ext uri="{FF2B5EF4-FFF2-40B4-BE49-F238E27FC236}">
                   <a16:creationId xmlns:a16="http://schemas.microsoft.com/office/drawing/2014/main" id="{B84759E3-8B2B-AE43-840C-CBB60A3D3F40}"/>
@@ -11215,7 +11217,7 @@
         </p:sp>
         <p:sp>
           <p:nvSpPr>
-            <p:cNvPr id="86" name="矩形 85">
+            <p:cNvPr id="126" name="矩形 85">
               <a:extLst>
                 <a:ext uri="{FF2B5EF4-FFF2-40B4-BE49-F238E27FC236}">
                   <a16:creationId xmlns:a16="http://schemas.microsoft.com/office/drawing/2014/main" id="{0146AF14-E3D1-1844-A8B0-6728FF064626}"/>
@@ -11269,7 +11271,7 @@
         </p:sp>
         <p:sp>
           <p:nvSpPr>
-            <p:cNvPr id="87" name="文本框 86">
+            <p:cNvPr id="127" name="文本框 86">
               <a:extLst>
                 <a:ext uri="{FF2B5EF4-FFF2-40B4-BE49-F238E27FC236}">
                   <a16:creationId xmlns:a16="http://schemas.microsoft.com/office/drawing/2014/main" id="{F95D286C-840B-7A4A-8DAB-A7BF72AB1279}"/>
@@ -11281,8 +11283,8 @@
           </p:nvSpPr>
           <p:spPr>
             <a:xfrm>
-              <a:off x="6522194" y="3323479"/>
-              <a:ext cx="1561893" cy="338554"/>
+              <a:off x="6379164" y="3351516"/>
+              <a:ext cx="2158907" cy="338554"/>
             </a:xfrm>
             <a:prstGeom prst="rect">
               <a:avLst/>
@@ -11298,29 +11300,19 @@
               <a:r>
                 <a:rPr kumimoji="1" lang="en-US" altLang="zh-CN" sz="1600" dirty="0">
                   <a:solidFill>
-                    <a:srgbClr val="A2A5BD"/>
+                    <a:srgbClr val="737893"/>
                   </a:solidFill>
                   <a:latin typeface="Helvetica Light" panose="020B0403020202020204" pitchFamily="34" charset="0"/>
                   <a:cs typeface="Arial" panose="020B0604020202020204" pitchFamily="34" charset="0"/>
                 </a:rPr>
-                <a:t>LDAP</a:t>
-              </a:r>
-              <a:r>
-                <a:rPr kumimoji="1" lang="zh-CN" altLang="en-US" sz="1600" dirty="0">
-                  <a:solidFill>
-                    <a:srgbClr val="A2A5BD"/>
-                  </a:solidFill>
-                  <a:latin typeface="Helvetica Light" panose="020B0403020202020204" pitchFamily="34" charset="0"/>
-                  <a:cs typeface="Arial" panose="020B0604020202020204" pitchFamily="34" charset="0"/>
-                </a:rPr>
-                <a:t>登录鉴权</a:t>
+                <a:t>LDAP Authentication</a:t>
               </a:r>
             </a:p>
           </p:txBody>
         </p:sp>
         <p:sp>
           <p:nvSpPr>
-            <p:cNvPr id="88" name="文本框 87">
+            <p:cNvPr id="129" name="文本框 87">
               <a:extLst>
                 <a:ext uri="{FF2B5EF4-FFF2-40B4-BE49-F238E27FC236}">
                   <a16:creationId xmlns:a16="http://schemas.microsoft.com/office/drawing/2014/main" id="{68E3C341-DD22-924E-9814-F35808B9A307}"/>
@@ -11332,8 +11324,8 @@
           </p:nvSpPr>
           <p:spPr>
             <a:xfrm>
-              <a:off x="6872207" y="4047081"/>
-              <a:ext cx="800219" cy="338554"/>
+              <a:off x="6836938" y="4047081"/>
+              <a:ext cx="1130439" cy="338554"/>
             </a:xfrm>
             <a:prstGeom prst="rect">
               <a:avLst/>
@@ -11348,20 +11340,26 @@
             <a:p>
               <a:pPr algn="ctr"/>
               <a:r>
-                <a:rPr kumimoji="1" lang="zh-CN" altLang="en-US" sz="1600" dirty="0">
+                <a:rPr kumimoji="1" lang="en-US" altLang="zh-CN" sz="1600" dirty="0">
                   <a:solidFill>
-                    <a:srgbClr val="737794"/>
+                    <a:srgbClr val="383C57"/>
                   </a:solidFill>
                   <a:latin typeface="Helvetica Light" panose="020B0403020202020204" pitchFamily="34" charset="0"/>
                 </a:rPr>
-                <a:t>用户名</a:t>
+                <a:t>Username</a:t>
               </a:r>
+              <a:endParaRPr kumimoji="1" lang="zh-CN" altLang="en-US" sz="1600" dirty="0">
+                <a:solidFill>
+                  <a:srgbClr val="383C57"/>
+                </a:solidFill>
+                <a:latin typeface="Helvetica Light" panose="020B0403020202020204" pitchFamily="34" charset="0"/>
+              </a:endParaRPr>
             </a:p>
           </p:txBody>
         </p:sp>
         <p:sp>
           <p:nvSpPr>
-            <p:cNvPr id="89" name="文本框 88">
+            <p:cNvPr id="130" name="文本框 88">
               <a:extLst>
                 <a:ext uri="{FF2B5EF4-FFF2-40B4-BE49-F238E27FC236}">
                   <a16:creationId xmlns:a16="http://schemas.microsoft.com/office/drawing/2014/main" id="{66F5ACEC-2351-CC4E-BE73-9202CB5DD2D6}"/>
@@ -11373,8 +11371,8 @@
           </p:nvSpPr>
           <p:spPr>
             <a:xfrm>
-              <a:off x="6974798" y="4612936"/>
-              <a:ext cx="595035" cy="338554"/>
+              <a:off x="6871403" y="4630482"/>
+              <a:ext cx="1083951" cy="338554"/>
             </a:xfrm>
             <a:prstGeom prst="rect">
               <a:avLst/>
@@ -11389,20 +11387,26 @@
             <a:p>
               <a:pPr algn="ctr"/>
               <a:r>
-                <a:rPr kumimoji="1" lang="zh-CN" altLang="en-US" sz="1600" dirty="0">
+                <a:rPr kumimoji="1" lang="en-US" altLang="zh-CN" sz="1600" dirty="0">
                   <a:solidFill>
-                    <a:srgbClr val="737794"/>
+                    <a:srgbClr val="383C57"/>
                   </a:solidFill>
                   <a:latin typeface="Helvetica Light" panose="020B0403020202020204" pitchFamily="34" charset="0"/>
                 </a:rPr>
-                <a:t>密码</a:t>
+                <a:t>Password</a:t>
               </a:r>
+              <a:endParaRPr kumimoji="1" lang="zh-CN" altLang="en-US" sz="1600" dirty="0">
+                <a:solidFill>
+                  <a:srgbClr val="383C57"/>
+                </a:solidFill>
+                <a:latin typeface="Helvetica Light" panose="020B0403020202020204" pitchFamily="34" charset="0"/>
+              </a:endParaRPr>
             </a:p>
           </p:txBody>
         </p:sp>
         <p:sp>
           <p:nvSpPr>
-            <p:cNvPr id="90" name="矩形 89">
+            <p:cNvPr id="131" name="矩形 89">
               <a:extLst>
                 <a:ext uri="{FF2B5EF4-FFF2-40B4-BE49-F238E27FC236}">
                   <a16:creationId xmlns:a16="http://schemas.microsoft.com/office/drawing/2014/main" id="{4001AE5E-E8F0-C545-B255-99E53EA0DA34}"/>
@@ -11414,7 +11418,7 @@
           </p:nvSpPr>
           <p:spPr>
             <a:xfrm>
-              <a:off x="6302742" y="3226930"/>
+              <a:off x="6315090" y="3239605"/>
               <a:ext cx="2174133" cy="2608252"/>
             </a:xfrm>
             <a:prstGeom prst="rect">
@@ -11454,7 +11458,7 @@
         </p:sp>
         <p:sp>
           <p:nvSpPr>
-            <p:cNvPr id="91" name="文本框 90">
+            <p:cNvPr id="132" name="文本框 90">
               <a:extLst>
                 <a:ext uri="{FF2B5EF4-FFF2-40B4-BE49-F238E27FC236}">
                   <a16:creationId xmlns:a16="http://schemas.microsoft.com/office/drawing/2014/main" id="{8269DE6D-107C-B943-8454-42290DF6D7D2}"/>
@@ -11466,7 +11470,7 @@
           </p:nvSpPr>
           <p:spPr>
             <a:xfrm>
-              <a:off x="6636161" y="2820413"/>
+              <a:off x="7307029" y="2825305"/>
               <a:ext cx="1682376" cy="338554"/>
             </a:xfrm>
             <a:prstGeom prst="rect">
@@ -11481,20 +11485,26 @@
             <a:lstStyle/>
             <a:p>
               <a:r>
-                <a:rPr kumimoji="1" lang="zh-CN" altLang="en-US" sz="1600" b="1" dirty="0">
+                <a:rPr kumimoji="1" lang="en-US" altLang="zh-CN" sz="1600" b="1" dirty="0">
                   <a:solidFill>
                     <a:srgbClr val="737794"/>
                   </a:solidFill>
                   <a:latin typeface="Helvetica" pitchFamily="2" charset="0"/>
                 </a:rPr>
-                <a:t>权限与访问控制</a:t>
+                <a:t>IAM</a:t>
               </a:r>
+              <a:endParaRPr kumimoji="1" lang="zh-CN" altLang="en-US" sz="1600" b="1" dirty="0">
+                <a:solidFill>
+                  <a:srgbClr val="737794"/>
+                </a:solidFill>
+                <a:latin typeface="Helvetica" pitchFamily="2" charset="0"/>
+              </a:endParaRPr>
             </a:p>
           </p:txBody>
         </p:sp>
         <p:pic>
           <p:nvPicPr>
-            <p:cNvPr id="101" name="图形 100">
+            <p:cNvPr id="133" name="图形 100">
               <a:extLst>
                 <a:ext uri="{FF2B5EF4-FFF2-40B4-BE49-F238E27FC236}">
                   <a16:creationId xmlns:a16="http://schemas.microsoft.com/office/drawing/2014/main" id="{83945845-9446-E34A-8A74-60098EE2F95C}"/>
@@ -11520,7 +11530,7 @@
           </p:blipFill>
           <p:spPr>
             <a:xfrm>
-              <a:off x="6308585" y="2821705"/>
+              <a:off x="6979453" y="2826597"/>
               <a:ext cx="276000" cy="331200"/>
             </a:xfrm>
             <a:prstGeom prst="rect">
@@ -11530,7 +11540,7 @@
         </p:pic>
         <p:pic>
           <p:nvPicPr>
-            <p:cNvPr id="103" name="图形 102">
+            <p:cNvPr id="134" name="图形 102">
               <a:extLst>
                 <a:ext uri="{FF2B5EF4-FFF2-40B4-BE49-F238E27FC236}">
                   <a16:creationId xmlns:a16="http://schemas.microsoft.com/office/drawing/2014/main" id="{526C5D84-8570-7340-94C5-0978BD2BAFFE}"/>
@@ -11566,7 +11576,7 @@
         </p:pic>
         <p:sp>
           <p:nvSpPr>
-            <p:cNvPr id="104" name="文本框 103">
+            <p:cNvPr id="135" name="文本框 103">
               <a:extLst>
                 <a:ext uri="{FF2B5EF4-FFF2-40B4-BE49-F238E27FC236}">
                   <a16:creationId xmlns:a16="http://schemas.microsoft.com/office/drawing/2014/main" id="{C8BD9390-71A0-B34A-B0CD-5B96A366950E}"/>
@@ -11578,8 +11588,8 @@
           </p:nvSpPr>
           <p:spPr>
             <a:xfrm>
-              <a:off x="6974797" y="5213884"/>
-              <a:ext cx="595035" cy="338554"/>
+              <a:off x="7047238" y="5213883"/>
+              <a:ext cx="764954" cy="338554"/>
             </a:xfrm>
             <a:prstGeom prst="rect">
               <a:avLst/>
@@ -11594,20 +11604,26 @@
             <a:p>
               <a:pPr algn="ctr"/>
               <a:r>
-                <a:rPr kumimoji="1" lang="zh-CN" altLang="en-US" sz="1600" dirty="0">
+                <a:rPr kumimoji="1" lang="en-US" altLang="zh-CN" sz="1600" dirty="0">
                   <a:solidFill>
-                    <a:srgbClr val="737794"/>
+                    <a:srgbClr val="383C57"/>
                   </a:solidFill>
                   <a:latin typeface="Helvetica Light" panose="020B0403020202020204" pitchFamily="34" charset="0"/>
                 </a:rPr>
-                <a:t>域名</a:t>
+                <a:t>Realm</a:t>
               </a:r>
+              <a:endParaRPr kumimoji="1" lang="zh-CN" altLang="en-US" sz="1600" dirty="0">
+                <a:solidFill>
+                  <a:srgbClr val="383C57"/>
+                </a:solidFill>
+                <a:latin typeface="Helvetica Light" panose="020B0403020202020204" pitchFamily="34" charset="0"/>
+              </a:endParaRPr>
             </a:p>
           </p:txBody>
         </p:sp>
         <p:cxnSp>
           <p:nvCxnSpPr>
-            <p:cNvPr id="106" name="肘形连接符 105">
+            <p:cNvPr id="136" name="肘形连接符 105">
               <a:extLst>
                 <a:ext uri="{FF2B5EF4-FFF2-40B4-BE49-F238E27FC236}">
                   <a16:creationId xmlns:a16="http://schemas.microsoft.com/office/drawing/2014/main" id="{587E3E82-DC7F-884B-991D-CAB2F4185FC1}"/>
@@ -11651,7 +11667,7 @@
         </p:cxnSp>
         <p:cxnSp>
           <p:nvCxnSpPr>
-            <p:cNvPr id="108" name="肘形连接符 107">
+            <p:cNvPr id="137" name="肘形连接符 107">
               <a:extLst>
                 <a:ext uri="{FF2B5EF4-FFF2-40B4-BE49-F238E27FC236}">
                   <a16:creationId xmlns:a16="http://schemas.microsoft.com/office/drawing/2014/main" id="{4B8444A4-AAC6-0944-8628-CBD35159A2F2}"/>
@@ -11695,7 +11711,7 @@
         </p:cxnSp>
         <p:cxnSp>
           <p:nvCxnSpPr>
-            <p:cNvPr id="112" name="肘形连接符 111">
+            <p:cNvPr id="138" name="肘形连接符 111">
               <a:extLst>
                 <a:ext uri="{FF2B5EF4-FFF2-40B4-BE49-F238E27FC236}">
                   <a16:creationId xmlns:a16="http://schemas.microsoft.com/office/drawing/2014/main" id="{2E043ED4-7589-CA4E-87FA-5E09C21EC2CB}"/>
@@ -11703,19 +11719,20 @@
               </a:extLst>
             </p:cNvPr>
             <p:cNvCxnSpPr>
-              <a:stCxn id="17" idx="3"/>
-              <a:endCxn id="24" idx="1"/>
+              <a:cxnSpLocks/>
+              <a:stCxn id="73" idx="3"/>
+              <a:endCxn id="94" idx="1"/>
             </p:cNvCxnSpPr>
             <p:nvPr/>
           </p:nvCxnSpPr>
           <p:spPr>
             <a:xfrm>
-              <a:off x="4236882" y="247450"/>
-              <a:ext cx="1115837" cy="321207"/>
+              <a:off x="4861743" y="247098"/>
+              <a:ext cx="490976" cy="321559"/>
             </a:xfrm>
             <a:prstGeom prst="bentConnector3">
               <a:avLst>
-                <a:gd name="adj1" fmla="val 77897"/>
+                <a:gd name="adj1" fmla="val 50000"/>
               </a:avLst>
             </a:prstGeom>
             <a:ln w="25400">
@@ -11742,7 +11759,7 @@
         </p:cxnSp>
         <p:cxnSp>
           <p:nvCxnSpPr>
-            <p:cNvPr id="118" name="肘形连接符 117">
+            <p:cNvPr id="139" name="肘形连接符 117">
               <a:extLst>
                 <a:ext uri="{FF2B5EF4-FFF2-40B4-BE49-F238E27FC236}">
                   <a16:creationId xmlns:a16="http://schemas.microsoft.com/office/drawing/2014/main" id="{57062CFD-221B-F545-BC4B-BCA68259D8C9}"/>
@@ -11750,19 +11767,20 @@
               </a:extLst>
             </p:cNvPr>
             <p:cNvCxnSpPr>
-              <a:stCxn id="18" idx="3"/>
-              <a:endCxn id="90" idx="1"/>
+              <a:cxnSpLocks/>
+              <a:stCxn id="75" idx="3"/>
+              <a:endCxn id="131" idx="1"/>
             </p:cNvCxnSpPr>
             <p:nvPr/>
           </p:nvCxnSpPr>
           <p:spPr>
             <a:xfrm>
-              <a:off x="4554277" y="1450155"/>
-              <a:ext cx="1748465" cy="3080901"/>
+              <a:off x="4855699" y="1450155"/>
+              <a:ext cx="1459391" cy="3093576"/>
             </a:xfrm>
             <a:prstGeom prst="bentConnector3">
               <a:avLst>
-                <a:gd name="adj1" fmla="val 32197"/>
+                <a:gd name="adj1" fmla="val 50000"/>
               </a:avLst>
             </a:prstGeom>
             <a:ln w="25400">
@@ -11789,7 +11807,7 @@
         </p:cxnSp>
         <p:sp>
           <p:nvSpPr>
-            <p:cNvPr id="122" name="右箭头 121">
+            <p:cNvPr id="140" name="右箭头 121">
               <a:extLst>
                 <a:ext uri="{FF2B5EF4-FFF2-40B4-BE49-F238E27FC236}">
                   <a16:creationId xmlns:a16="http://schemas.microsoft.com/office/drawing/2014/main" id="{37385CDB-1642-F443-B8AF-A889591B8D11}"/>
@@ -11841,7 +11859,7 @@
         </p:sp>
         <p:sp>
           <p:nvSpPr>
-            <p:cNvPr id="123" name="右箭头 122">
+            <p:cNvPr id="141" name="右箭头 122">
               <a:extLst>
                 <a:ext uri="{FF2B5EF4-FFF2-40B4-BE49-F238E27FC236}">
                   <a16:creationId xmlns:a16="http://schemas.microsoft.com/office/drawing/2014/main" id="{BB349836-B259-254E-A66C-C1A4A266636C}"/>
@@ -11893,7 +11911,7 @@
         </p:sp>
         <p:cxnSp>
           <p:nvCxnSpPr>
-            <p:cNvPr id="125" name="肘形连接符 124">
+            <p:cNvPr id="142" name="肘形连接符 124">
               <a:extLst>
                 <a:ext uri="{FF2B5EF4-FFF2-40B4-BE49-F238E27FC236}">
                   <a16:creationId xmlns:a16="http://schemas.microsoft.com/office/drawing/2014/main" id="{2B5A0A37-C926-7949-9E94-B970CC67168B}"/>
@@ -11901,7 +11919,7 @@
               </a:extLst>
             </p:cNvPr>
             <p:cNvCxnSpPr>
-              <a:endCxn id="85" idx="1"/>
+              <a:endCxn id="124" idx="1"/>
             </p:cNvCxnSpPr>
             <p:nvPr/>
           </p:nvCxnSpPr>

--- a/media/iam.pptx
+++ b/media/iam.pptx
@@ -5,16 +5,17 @@
     <p:sldMasterId id="2147483743" r:id="rId1"/>
   </p:sldMasterIdLst>
   <p:notesMasterIdLst>
-    <p:notesMasterId r:id="rId6"/>
+    <p:notesMasterId r:id="rId7"/>
   </p:notesMasterIdLst>
   <p:handoutMasterIdLst>
-    <p:handoutMasterId r:id="rId7"/>
+    <p:handoutMasterId r:id="rId8"/>
   </p:handoutMasterIdLst>
   <p:sldIdLst>
     <p:sldId id="319" r:id="rId2"/>
     <p:sldId id="320" r:id="rId3"/>
     <p:sldId id="322" r:id="rId4"/>
     <p:sldId id="324" r:id="rId5"/>
+    <p:sldId id="325" r:id="rId6"/>
   </p:sldIdLst>
   <p:sldSz cx="12192000" cy="6858000"/>
   <p:notesSz cx="6858000" cy="9144000"/>
@@ -206,7 +207,7 @@
           <a:p>
             <a:fld id="{47277FB0-21EC-48C5-90B0-184600466A6C}" type="datetimeFigureOut">
               <a:rPr lang="zh-CN" altLang="en-US" smtClean="0"/>
-              <a:t>2018/12/5</a:t>
+              <a:t>2019/1/7</a:t>
             </a:fld>
             <a:endParaRPr lang="zh-CN" altLang="en-US"/>
           </a:p>
@@ -371,7 +372,7 @@
           <a:p>
             <a:fld id="{9C967889-4715-5C4F-A252-FFC716185AB6}" type="datetimeFigureOut">
               <a:rPr lang="en-US" smtClean="0"/>
-              <a:t>12/5/18</a:t>
+              <a:t>1/7/19</a:t>
             </a:fld>
             <a:endParaRPr lang="en-US"/>
           </a:p>
@@ -11971,6 +11972,359 @@
 </p:sld>
 </file>
 
+<file path=ppt/slides/slide5.xml><?xml version="1.0" encoding="utf-8"?>
+<p:sld xmlns:a="http://schemas.openxmlformats.org/drawingml/2006/main" xmlns:r="http://schemas.openxmlformats.org/officeDocument/2006/relationships" xmlns:p="http://schemas.openxmlformats.org/presentationml/2006/main">
+  <p:cSld>
+    <p:spTree>
+      <p:nvGrpSpPr>
+        <p:cNvPr id="1" name=""/>
+        <p:cNvGrpSpPr/>
+        <p:nvPr/>
+      </p:nvGrpSpPr>
+      <p:grpSpPr>
+        <a:xfrm>
+          <a:off x="0" y="0"/>
+          <a:ext cx="0" cy="0"/>
+          <a:chOff x="0" y="0"/>
+          <a:chExt cx="0" cy="0"/>
+        </a:xfrm>
+      </p:grpSpPr>
+      <p:grpSp>
+        <p:nvGrpSpPr>
+          <p:cNvPr id="23" name="组合 22">
+            <a:extLst>
+              <a:ext uri="{FF2B5EF4-FFF2-40B4-BE49-F238E27FC236}">
+                <a16:creationId xmlns:a16="http://schemas.microsoft.com/office/drawing/2014/main" id="{E8449A39-3C1E-F845-9B3D-B99FDC741F35}"/>
+              </a:ext>
+            </a:extLst>
+          </p:cNvPr>
+          <p:cNvGrpSpPr/>
+          <p:nvPr/>
+        </p:nvGrpSpPr>
+        <p:grpSpPr>
+          <a:xfrm>
+            <a:off x="0" y="3111335"/>
+            <a:ext cx="12192000" cy="629392"/>
+            <a:chOff x="0" y="3111335"/>
+            <a:chExt cx="12192000" cy="629392"/>
+          </a:xfrm>
+        </p:grpSpPr>
+        <p:pic>
+          <p:nvPicPr>
+            <p:cNvPr id="8" name="图片 7">
+              <a:extLst>
+                <a:ext uri="{FF2B5EF4-FFF2-40B4-BE49-F238E27FC236}">
+                  <a16:creationId xmlns:a16="http://schemas.microsoft.com/office/drawing/2014/main" id="{AB7C5DE4-D80B-144B-BFDC-1128509BD111}"/>
+                </a:ext>
+              </a:extLst>
+            </p:cNvPr>
+            <p:cNvPicPr>
+              <a:picLocks noChangeAspect="1"/>
+            </p:cNvPicPr>
+            <p:nvPr/>
+          </p:nvPicPr>
+          <p:blipFill>
+            <a:blip r:embed="rId2"/>
+            <a:stretch>
+              <a:fillRect/>
+            </a:stretch>
+          </p:blipFill>
+          <p:spPr>
+            <a:xfrm>
+              <a:off x="0" y="3216891"/>
+              <a:ext cx="12192000" cy="424217"/>
+            </a:xfrm>
+            <a:prstGeom prst="rect">
+              <a:avLst/>
+            </a:prstGeom>
+          </p:spPr>
+        </p:pic>
+        <p:sp>
+          <p:nvSpPr>
+            <p:cNvPr id="9" name="圆角矩形 8">
+              <a:extLst>
+                <a:ext uri="{FF2B5EF4-FFF2-40B4-BE49-F238E27FC236}">
+                  <a16:creationId xmlns:a16="http://schemas.microsoft.com/office/drawing/2014/main" id="{4E6AE170-1A5F-9445-963D-D8EBBF0CD2CB}"/>
+                </a:ext>
+              </a:extLst>
+            </p:cNvPr>
+            <p:cNvSpPr/>
+            <p:nvPr/>
+          </p:nvSpPr>
+          <p:spPr>
+            <a:xfrm flipH="1">
+              <a:off x="11182661" y="3216891"/>
+              <a:ext cx="854440" cy="424217"/>
+            </a:xfrm>
+            <a:prstGeom prst="roundRect">
+              <a:avLst>
+                <a:gd name="adj" fmla="val 0"/>
+              </a:avLst>
+            </a:prstGeom>
+            <a:noFill/>
+            <a:ln w="25400">
+              <a:solidFill>
+                <a:srgbClr val="31C4F5"/>
+              </a:solidFill>
+            </a:ln>
+          </p:spPr>
+          <p:style>
+            <a:lnRef idx="1">
+              <a:schemeClr val="accent6"/>
+            </a:lnRef>
+            <a:fillRef idx="2">
+              <a:schemeClr val="accent6"/>
+            </a:fillRef>
+            <a:effectRef idx="1">
+              <a:schemeClr val="accent6"/>
+            </a:effectRef>
+            <a:fontRef idx="minor">
+              <a:schemeClr val="dk1"/>
+            </a:fontRef>
+          </p:style>
+          <p:txBody>
+            <a:bodyPr rtlCol="0" anchor="ctr"/>
+            <a:lstStyle/>
+            <a:p>
+              <a:pPr algn="ctr"/>
+              <a:endParaRPr kumimoji="1" lang="zh-CN" altLang="en-US"/>
+            </a:p>
+          </p:txBody>
+        </p:sp>
+        <p:sp>
+          <p:nvSpPr>
+            <p:cNvPr id="10" name="矩形 9">
+              <a:extLst>
+                <a:ext uri="{FF2B5EF4-FFF2-40B4-BE49-F238E27FC236}">
+                  <a16:creationId xmlns:a16="http://schemas.microsoft.com/office/drawing/2014/main" id="{9337EE9A-47BF-F848-8B8C-107747E78E10}"/>
+                </a:ext>
+              </a:extLst>
+            </p:cNvPr>
+            <p:cNvSpPr/>
+            <p:nvPr/>
+          </p:nvSpPr>
+          <p:spPr>
+            <a:xfrm>
+              <a:off x="9248930" y="3216891"/>
+              <a:ext cx="1346519" cy="432000"/>
+            </a:xfrm>
+            <a:prstGeom prst="rect">
+              <a:avLst/>
+            </a:prstGeom>
+            <a:solidFill>
+              <a:srgbClr val="31C4F5"/>
+            </a:solidFill>
+            <a:ln w="19050">
+              <a:solidFill>
+                <a:srgbClr val="31C4F5"/>
+              </a:solidFill>
+            </a:ln>
+          </p:spPr>
+          <p:style>
+            <a:lnRef idx="1">
+              <a:schemeClr val="accent6"/>
+            </a:lnRef>
+            <a:fillRef idx="2">
+              <a:schemeClr val="accent6"/>
+            </a:fillRef>
+            <a:effectRef idx="1">
+              <a:schemeClr val="accent6"/>
+            </a:effectRef>
+            <a:fontRef idx="minor">
+              <a:schemeClr val="dk1"/>
+            </a:fontRef>
+          </p:style>
+          <p:txBody>
+            <a:bodyPr rtlCol="0" anchor="ctr"/>
+            <a:lstStyle/>
+            <a:p>
+              <a:endParaRPr kumimoji="1" lang="zh-CN" altLang="en-US" sz="1200" dirty="0">
+                <a:solidFill>
+                  <a:schemeClr val="bg1"/>
+                </a:solidFill>
+                <a:latin typeface="Helvetica" pitchFamily="2" charset="0"/>
+              </a:endParaRPr>
+            </a:p>
+          </p:txBody>
+        </p:sp>
+        <p:cxnSp>
+          <p:nvCxnSpPr>
+            <p:cNvPr id="11" name="直线箭头连接符 10">
+              <a:extLst>
+                <a:ext uri="{FF2B5EF4-FFF2-40B4-BE49-F238E27FC236}">
+                  <a16:creationId xmlns:a16="http://schemas.microsoft.com/office/drawing/2014/main" id="{1B4442A1-1EC0-684E-A371-491FE620C960}"/>
+                </a:ext>
+              </a:extLst>
+            </p:cNvPr>
+            <p:cNvCxnSpPr>
+              <a:cxnSpLocks/>
+              <a:stCxn id="10" idx="3"/>
+              <a:endCxn id="9" idx="3"/>
+            </p:cNvCxnSpPr>
+            <p:nvPr/>
+          </p:nvCxnSpPr>
+          <p:spPr>
+            <a:xfrm flipV="1">
+              <a:off x="10595449" y="3429000"/>
+              <a:ext cx="587212" cy="3891"/>
+            </a:xfrm>
+            <a:prstGeom prst="straightConnector1">
+              <a:avLst/>
+            </a:prstGeom>
+            <a:ln w="25400">
+              <a:solidFill>
+                <a:srgbClr val="31C4F5"/>
+              </a:solidFill>
+              <a:tailEnd type="triangle"/>
+            </a:ln>
+          </p:spPr>
+          <p:style>
+            <a:lnRef idx="1">
+              <a:schemeClr val="accent6"/>
+            </a:lnRef>
+            <a:fillRef idx="0">
+              <a:schemeClr val="accent6"/>
+            </a:fillRef>
+            <a:effectRef idx="0">
+              <a:schemeClr val="accent6"/>
+            </a:effectRef>
+            <a:fontRef idx="minor">
+              <a:schemeClr val="tx1"/>
+            </a:fontRef>
+          </p:style>
+        </p:cxnSp>
+        <p:sp>
+          <p:nvSpPr>
+            <p:cNvPr id="12" name="文本框 11">
+              <a:extLst>
+                <a:ext uri="{FF2B5EF4-FFF2-40B4-BE49-F238E27FC236}">
+                  <a16:creationId xmlns:a16="http://schemas.microsoft.com/office/drawing/2014/main" id="{0F358EC6-338A-F645-A77D-DE6447F6B92D}"/>
+                </a:ext>
+              </a:extLst>
+            </p:cNvPr>
+            <p:cNvSpPr txBox="1"/>
+            <p:nvPr/>
+          </p:nvSpPr>
+          <p:spPr>
+            <a:xfrm>
+              <a:off x="9248930" y="3290509"/>
+              <a:ext cx="1224515" cy="276999"/>
+            </a:xfrm>
+            <a:prstGeom prst="rect">
+              <a:avLst/>
+            </a:prstGeom>
+            <a:noFill/>
+          </p:spPr>
+          <p:txBody>
+            <a:bodyPr wrap="square" rtlCol="0">
+              <a:spAutoFit/>
+            </a:bodyPr>
+            <a:lstStyle/>
+            <a:p>
+              <a:pPr>
+                <a:buClr>
+                  <a:srgbClr val="31C4F5"/>
+                </a:buClr>
+              </a:pPr>
+              <a:r>
+                <a:rPr kumimoji="1" lang="en-US" altLang="zh-CN" sz="1200" dirty="0">
+                  <a:solidFill>
+                    <a:schemeClr val="bg1"/>
+                  </a:solidFill>
+                  <a:latin typeface="Arial" panose="020B0604020202020204" pitchFamily="34" charset="0"/>
+                  <a:cs typeface="Arial" panose="020B0604020202020204" pitchFamily="34" charset="0"/>
+                </a:rPr>
+                <a:t>Navigation</a:t>
+              </a:r>
+              <a:r>
+                <a:rPr kumimoji="1" lang="zh-CN" altLang="en-US" sz="1200" dirty="0">
+                  <a:solidFill>
+                    <a:schemeClr val="bg1"/>
+                  </a:solidFill>
+                  <a:latin typeface="Arial" panose="020B0604020202020204" pitchFamily="34" charset="0"/>
+                  <a:cs typeface="Arial" panose="020B0604020202020204" pitchFamily="34" charset="0"/>
+                </a:rPr>
+                <a:t> </a:t>
+              </a:r>
+              <a:r>
+                <a:rPr kumimoji="1" lang="en-US" altLang="zh-CN" sz="1200" dirty="0">
+                  <a:solidFill>
+                    <a:schemeClr val="bg1"/>
+                  </a:solidFill>
+                  <a:latin typeface="Arial" panose="020B0604020202020204" pitchFamily="34" charset="0"/>
+                  <a:cs typeface="Arial" panose="020B0604020202020204" pitchFamily="34" charset="0"/>
+                </a:rPr>
+                <a:t>bar</a:t>
+              </a:r>
+            </a:p>
+          </p:txBody>
+        </p:sp>
+        <p:sp>
+          <p:nvSpPr>
+            <p:cNvPr id="22" name="矩形 21">
+              <a:extLst>
+                <a:ext uri="{FF2B5EF4-FFF2-40B4-BE49-F238E27FC236}">
+                  <a16:creationId xmlns:a16="http://schemas.microsoft.com/office/drawing/2014/main" id="{334F2A8A-CE27-C948-B3AF-0D540D33A162}"/>
+                </a:ext>
+              </a:extLst>
+            </p:cNvPr>
+            <p:cNvSpPr/>
+            <p:nvPr/>
+          </p:nvSpPr>
+          <p:spPr>
+            <a:xfrm>
+              <a:off x="0" y="3111335"/>
+              <a:ext cx="12037101" cy="629392"/>
+            </a:xfrm>
+            <a:prstGeom prst="rect">
+              <a:avLst/>
+            </a:prstGeom>
+            <a:noFill/>
+            <a:ln>
+              <a:solidFill>
+                <a:srgbClr val="A2A5BD"/>
+              </a:solidFill>
+            </a:ln>
+          </p:spPr>
+          <p:style>
+            <a:lnRef idx="2">
+              <a:schemeClr val="accent1">
+                <a:shade val="50000"/>
+              </a:schemeClr>
+            </a:lnRef>
+            <a:fillRef idx="1">
+              <a:schemeClr val="accent1"/>
+            </a:fillRef>
+            <a:effectRef idx="0">
+              <a:schemeClr val="accent1"/>
+            </a:effectRef>
+            <a:fontRef idx="minor">
+              <a:schemeClr val="lt1"/>
+            </a:fontRef>
+          </p:style>
+          <p:txBody>
+            <a:bodyPr rtlCol="0" anchor="ctr"/>
+            <a:lstStyle/>
+            <a:p>
+              <a:pPr algn="ctr"/>
+              <a:endParaRPr kumimoji="1" lang="zh-CN" altLang="en-US"/>
+            </a:p>
+          </p:txBody>
+        </p:sp>
+      </p:grpSp>
+    </p:spTree>
+    <p:extLst>
+      <p:ext uri="{BB962C8B-B14F-4D97-AF65-F5344CB8AC3E}">
+        <p14:creationId xmlns:p14="http://schemas.microsoft.com/office/powerpoint/2010/main" val="3291914479"/>
+      </p:ext>
+    </p:extLst>
+  </p:cSld>
+  <p:clrMapOvr>
+    <a:masterClrMapping/>
+  </p:clrMapOvr>
+</p:sld>
+</file>
+
 <file path=ppt/theme/theme1.xml><?xml version="1.0" encoding="utf-8"?>
 <a:theme xmlns:a="http://schemas.openxmlformats.org/drawingml/2006/main" name="1_自定义设计方案">
   <a:themeElements>

--- a/media/iam.pptx
+++ b/media/iam.pptx
@@ -207,7 +207,7 @@
           <a:p>
             <a:fld id="{47277FB0-21EC-48C5-90B0-184600466A6C}" type="datetimeFigureOut">
               <a:rPr lang="zh-CN" altLang="en-US" smtClean="0"/>
-              <a:t>2019/1/7</a:t>
+              <a:t>2019/4/2</a:t>
             </a:fld>
             <a:endParaRPr lang="zh-CN" altLang="en-US"/>
           </a:p>
@@ -372,7 +372,7 @@
           <a:p>
             <a:fld id="{9C967889-4715-5C4F-A252-FFC716185AB6}" type="datetimeFigureOut">
               <a:rPr lang="en-US" smtClean="0"/>
-              <a:t>1/7/19</a:t>
+              <a:t>4/2/19</a:t>
             </a:fld>
             <a:endParaRPr lang="en-US"/>
           </a:p>
@@ -4765,6 +4765,64 @@
           </p:style>
         </p:cxnSp>
       </p:grpSp>
+      <p:sp>
+        <p:nvSpPr>
+          <p:cNvPr id="25" name="矩形 24">
+            <a:extLst>
+              <a:ext uri="{FF2B5EF4-FFF2-40B4-BE49-F238E27FC236}">
+                <a16:creationId xmlns:a16="http://schemas.microsoft.com/office/drawing/2014/main" id="{0D010930-BE7A-6045-A805-B1F90B90E47C}"/>
+              </a:ext>
+            </a:extLst>
+          </p:cNvPr>
+          <p:cNvSpPr/>
+          <p:nvPr/>
+        </p:nvSpPr>
+        <p:spPr>
+          <a:xfrm>
+            <a:off x="740337" y="585318"/>
+            <a:ext cx="2106050" cy="753706"/>
+          </a:xfrm>
+          <a:prstGeom prst="rect">
+            <a:avLst/>
+          </a:prstGeom>
+          <a:solidFill>
+            <a:srgbClr val="0A6EFA"/>
+          </a:solidFill>
+          <a:ln w="12700">
+            <a:noFill/>
+          </a:ln>
+        </p:spPr>
+        <p:style>
+          <a:lnRef idx="2">
+            <a:schemeClr val="accent1">
+              <a:shade val="50000"/>
+            </a:schemeClr>
+          </a:lnRef>
+          <a:fillRef idx="1">
+            <a:schemeClr val="accent1"/>
+          </a:fillRef>
+          <a:effectRef idx="0">
+            <a:schemeClr val="accent1"/>
+          </a:effectRef>
+          <a:fontRef idx="minor">
+            <a:schemeClr val="lt1"/>
+          </a:fontRef>
+        </p:style>
+        <p:txBody>
+          <a:bodyPr rtlCol="0" anchor="ctr"/>
+          <a:lstStyle/>
+          <a:p>
+            <a:pPr algn="ctr"/>
+            <a:endParaRPr kumimoji="1" lang="zh-CN" altLang="en-US" sz="1600" dirty="0">
+              <a:solidFill>
+                <a:schemeClr val="bg1"/>
+              </a:solidFill>
+              <a:latin typeface="Helvetica" pitchFamily="2" charset="0"/>
+              <a:cs typeface="Arial" panose="020B0604020202020204" pitchFamily="34" charset="0"/>
+            </a:endParaRPr>
+          </a:p>
+        </p:txBody>
+      </p:sp>
     </p:spTree>
     <p:extLst>
       <p:ext uri="{BB962C8B-B14F-4D97-AF65-F5344CB8AC3E}">

--- a/media/iam.pptx
+++ b/media/iam.pptx
@@ -5,17 +5,16 @@
     <p:sldMasterId id="2147483743" r:id="rId1"/>
   </p:sldMasterIdLst>
   <p:notesMasterIdLst>
-    <p:notesMasterId r:id="rId7"/>
+    <p:notesMasterId r:id="rId6"/>
   </p:notesMasterIdLst>
   <p:handoutMasterIdLst>
-    <p:handoutMasterId r:id="rId8"/>
+    <p:handoutMasterId r:id="rId7"/>
   </p:handoutMasterIdLst>
   <p:sldIdLst>
     <p:sldId id="319" r:id="rId2"/>
     <p:sldId id="320" r:id="rId3"/>
     <p:sldId id="322" r:id="rId4"/>
     <p:sldId id="324" r:id="rId5"/>
-    <p:sldId id="325" r:id="rId6"/>
   </p:sldIdLst>
   <p:sldSz cx="12192000" cy="6858000"/>
   <p:notesSz cx="6858000" cy="9144000"/>
@@ -207,7 +206,7 @@
           <a:p>
             <a:fld id="{47277FB0-21EC-48C5-90B0-184600466A6C}" type="datetimeFigureOut">
               <a:rPr lang="zh-CN" altLang="en-US" smtClean="0"/>
-              <a:t>2019/4/2</a:t>
+              <a:t>2018/12/5</a:t>
             </a:fld>
             <a:endParaRPr lang="zh-CN" altLang="en-US"/>
           </a:p>
@@ -372,7 +371,7 @@
           <a:p>
             <a:fld id="{9C967889-4715-5C4F-A252-FFC716185AB6}" type="datetimeFigureOut">
               <a:rPr lang="en-US" smtClean="0"/>
-              <a:t>4/2/19</a:t>
+              <a:t>12/5/18</a:t>
             </a:fld>
             <a:endParaRPr lang="en-US"/>
           </a:p>
@@ -4765,64 +4764,6 @@
           </p:style>
         </p:cxnSp>
       </p:grpSp>
-      <p:sp>
-        <p:nvSpPr>
-          <p:cNvPr id="25" name="矩形 24">
-            <a:extLst>
-              <a:ext uri="{FF2B5EF4-FFF2-40B4-BE49-F238E27FC236}">
-                <a16:creationId xmlns:a16="http://schemas.microsoft.com/office/drawing/2014/main" id="{0D010930-BE7A-6045-A805-B1F90B90E47C}"/>
-              </a:ext>
-            </a:extLst>
-          </p:cNvPr>
-          <p:cNvSpPr/>
-          <p:nvPr/>
-        </p:nvSpPr>
-        <p:spPr>
-          <a:xfrm>
-            <a:off x="740337" y="585318"/>
-            <a:ext cx="2106050" cy="753706"/>
-          </a:xfrm>
-          <a:prstGeom prst="rect">
-            <a:avLst/>
-          </a:prstGeom>
-          <a:solidFill>
-            <a:srgbClr val="0A6EFA"/>
-          </a:solidFill>
-          <a:ln w="12700">
-            <a:noFill/>
-          </a:ln>
-        </p:spPr>
-        <p:style>
-          <a:lnRef idx="2">
-            <a:schemeClr val="accent1">
-              <a:shade val="50000"/>
-            </a:schemeClr>
-          </a:lnRef>
-          <a:fillRef idx="1">
-            <a:schemeClr val="accent1"/>
-          </a:fillRef>
-          <a:effectRef idx="0">
-            <a:schemeClr val="accent1"/>
-          </a:effectRef>
-          <a:fontRef idx="minor">
-            <a:schemeClr val="lt1"/>
-          </a:fontRef>
-        </p:style>
-        <p:txBody>
-          <a:bodyPr rtlCol="0" anchor="ctr"/>
-          <a:lstStyle/>
-          <a:p>
-            <a:pPr algn="ctr"/>
-            <a:endParaRPr kumimoji="1" lang="zh-CN" altLang="en-US" sz="1600" dirty="0">
-              <a:solidFill>
-                <a:schemeClr val="bg1"/>
-              </a:solidFill>
-              <a:latin typeface="Helvetica" pitchFamily="2" charset="0"/>
-              <a:cs typeface="Arial" panose="020B0604020202020204" pitchFamily="34" charset="0"/>
-            </a:endParaRPr>
-          </a:p>
-        </p:txBody>
-      </p:sp>
     </p:spTree>
     <p:extLst>
       <p:ext uri="{BB962C8B-B14F-4D97-AF65-F5344CB8AC3E}">
@@ -12030,359 +11971,6 @@
 </p:sld>
 </file>
 
-<file path=ppt/slides/slide5.xml><?xml version="1.0" encoding="utf-8"?>
-<p:sld xmlns:a="http://schemas.openxmlformats.org/drawingml/2006/main" xmlns:r="http://schemas.openxmlformats.org/officeDocument/2006/relationships" xmlns:p="http://schemas.openxmlformats.org/presentationml/2006/main">
-  <p:cSld>
-    <p:spTree>
-      <p:nvGrpSpPr>
-        <p:cNvPr id="1" name=""/>
-        <p:cNvGrpSpPr/>
-        <p:nvPr/>
-      </p:nvGrpSpPr>
-      <p:grpSpPr>
-        <a:xfrm>
-          <a:off x="0" y="0"/>
-          <a:ext cx="0" cy="0"/>
-          <a:chOff x="0" y="0"/>
-          <a:chExt cx="0" cy="0"/>
-        </a:xfrm>
-      </p:grpSpPr>
-      <p:grpSp>
-        <p:nvGrpSpPr>
-          <p:cNvPr id="23" name="组合 22">
-            <a:extLst>
-              <a:ext uri="{FF2B5EF4-FFF2-40B4-BE49-F238E27FC236}">
-                <a16:creationId xmlns:a16="http://schemas.microsoft.com/office/drawing/2014/main" id="{E8449A39-3C1E-F845-9B3D-B99FDC741F35}"/>
-              </a:ext>
-            </a:extLst>
-          </p:cNvPr>
-          <p:cNvGrpSpPr/>
-          <p:nvPr/>
-        </p:nvGrpSpPr>
-        <p:grpSpPr>
-          <a:xfrm>
-            <a:off x="0" y="3111335"/>
-            <a:ext cx="12192000" cy="629392"/>
-            <a:chOff x="0" y="3111335"/>
-            <a:chExt cx="12192000" cy="629392"/>
-          </a:xfrm>
-        </p:grpSpPr>
-        <p:pic>
-          <p:nvPicPr>
-            <p:cNvPr id="8" name="图片 7">
-              <a:extLst>
-                <a:ext uri="{FF2B5EF4-FFF2-40B4-BE49-F238E27FC236}">
-                  <a16:creationId xmlns:a16="http://schemas.microsoft.com/office/drawing/2014/main" id="{AB7C5DE4-D80B-144B-BFDC-1128509BD111}"/>
-                </a:ext>
-              </a:extLst>
-            </p:cNvPr>
-            <p:cNvPicPr>
-              <a:picLocks noChangeAspect="1"/>
-            </p:cNvPicPr>
-            <p:nvPr/>
-          </p:nvPicPr>
-          <p:blipFill>
-            <a:blip r:embed="rId2"/>
-            <a:stretch>
-              <a:fillRect/>
-            </a:stretch>
-          </p:blipFill>
-          <p:spPr>
-            <a:xfrm>
-              <a:off x="0" y="3216891"/>
-              <a:ext cx="12192000" cy="424217"/>
-            </a:xfrm>
-            <a:prstGeom prst="rect">
-              <a:avLst/>
-            </a:prstGeom>
-          </p:spPr>
-        </p:pic>
-        <p:sp>
-          <p:nvSpPr>
-            <p:cNvPr id="9" name="圆角矩形 8">
-              <a:extLst>
-                <a:ext uri="{FF2B5EF4-FFF2-40B4-BE49-F238E27FC236}">
-                  <a16:creationId xmlns:a16="http://schemas.microsoft.com/office/drawing/2014/main" id="{4E6AE170-1A5F-9445-963D-D8EBBF0CD2CB}"/>
-                </a:ext>
-              </a:extLst>
-            </p:cNvPr>
-            <p:cNvSpPr/>
-            <p:nvPr/>
-          </p:nvSpPr>
-          <p:spPr>
-            <a:xfrm flipH="1">
-              <a:off x="11182661" y="3216891"/>
-              <a:ext cx="854440" cy="424217"/>
-            </a:xfrm>
-            <a:prstGeom prst="roundRect">
-              <a:avLst>
-                <a:gd name="adj" fmla="val 0"/>
-              </a:avLst>
-            </a:prstGeom>
-            <a:noFill/>
-            <a:ln w="25400">
-              <a:solidFill>
-                <a:srgbClr val="31C4F5"/>
-              </a:solidFill>
-            </a:ln>
-          </p:spPr>
-          <p:style>
-            <a:lnRef idx="1">
-              <a:schemeClr val="accent6"/>
-            </a:lnRef>
-            <a:fillRef idx="2">
-              <a:schemeClr val="accent6"/>
-            </a:fillRef>
-            <a:effectRef idx="1">
-              <a:schemeClr val="accent6"/>
-            </a:effectRef>
-            <a:fontRef idx="minor">
-              <a:schemeClr val="dk1"/>
-            </a:fontRef>
-          </p:style>
-          <p:txBody>
-            <a:bodyPr rtlCol="0" anchor="ctr"/>
-            <a:lstStyle/>
-            <a:p>
-              <a:pPr algn="ctr"/>
-              <a:endParaRPr kumimoji="1" lang="zh-CN" altLang="en-US"/>
-            </a:p>
-          </p:txBody>
-        </p:sp>
-        <p:sp>
-          <p:nvSpPr>
-            <p:cNvPr id="10" name="矩形 9">
-              <a:extLst>
-                <a:ext uri="{FF2B5EF4-FFF2-40B4-BE49-F238E27FC236}">
-                  <a16:creationId xmlns:a16="http://schemas.microsoft.com/office/drawing/2014/main" id="{9337EE9A-47BF-F848-8B8C-107747E78E10}"/>
-                </a:ext>
-              </a:extLst>
-            </p:cNvPr>
-            <p:cNvSpPr/>
-            <p:nvPr/>
-          </p:nvSpPr>
-          <p:spPr>
-            <a:xfrm>
-              <a:off x="9248930" y="3216891"/>
-              <a:ext cx="1346519" cy="432000"/>
-            </a:xfrm>
-            <a:prstGeom prst="rect">
-              <a:avLst/>
-            </a:prstGeom>
-            <a:solidFill>
-              <a:srgbClr val="31C4F5"/>
-            </a:solidFill>
-            <a:ln w="19050">
-              <a:solidFill>
-                <a:srgbClr val="31C4F5"/>
-              </a:solidFill>
-            </a:ln>
-          </p:spPr>
-          <p:style>
-            <a:lnRef idx="1">
-              <a:schemeClr val="accent6"/>
-            </a:lnRef>
-            <a:fillRef idx="2">
-              <a:schemeClr val="accent6"/>
-            </a:fillRef>
-            <a:effectRef idx="1">
-              <a:schemeClr val="accent6"/>
-            </a:effectRef>
-            <a:fontRef idx="minor">
-              <a:schemeClr val="dk1"/>
-            </a:fontRef>
-          </p:style>
-          <p:txBody>
-            <a:bodyPr rtlCol="0" anchor="ctr"/>
-            <a:lstStyle/>
-            <a:p>
-              <a:endParaRPr kumimoji="1" lang="zh-CN" altLang="en-US" sz="1200" dirty="0">
-                <a:solidFill>
-                  <a:schemeClr val="bg1"/>
-                </a:solidFill>
-                <a:latin typeface="Helvetica" pitchFamily="2" charset="0"/>
-              </a:endParaRPr>
-            </a:p>
-          </p:txBody>
-        </p:sp>
-        <p:cxnSp>
-          <p:nvCxnSpPr>
-            <p:cNvPr id="11" name="直线箭头连接符 10">
-              <a:extLst>
-                <a:ext uri="{FF2B5EF4-FFF2-40B4-BE49-F238E27FC236}">
-                  <a16:creationId xmlns:a16="http://schemas.microsoft.com/office/drawing/2014/main" id="{1B4442A1-1EC0-684E-A371-491FE620C960}"/>
-                </a:ext>
-              </a:extLst>
-            </p:cNvPr>
-            <p:cNvCxnSpPr>
-              <a:cxnSpLocks/>
-              <a:stCxn id="10" idx="3"/>
-              <a:endCxn id="9" idx="3"/>
-            </p:cNvCxnSpPr>
-            <p:nvPr/>
-          </p:nvCxnSpPr>
-          <p:spPr>
-            <a:xfrm flipV="1">
-              <a:off x="10595449" y="3429000"/>
-              <a:ext cx="587212" cy="3891"/>
-            </a:xfrm>
-            <a:prstGeom prst="straightConnector1">
-              <a:avLst/>
-            </a:prstGeom>
-            <a:ln w="25400">
-              <a:solidFill>
-                <a:srgbClr val="31C4F5"/>
-              </a:solidFill>
-              <a:tailEnd type="triangle"/>
-            </a:ln>
-          </p:spPr>
-          <p:style>
-            <a:lnRef idx="1">
-              <a:schemeClr val="accent6"/>
-            </a:lnRef>
-            <a:fillRef idx="0">
-              <a:schemeClr val="accent6"/>
-            </a:fillRef>
-            <a:effectRef idx="0">
-              <a:schemeClr val="accent6"/>
-            </a:effectRef>
-            <a:fontRef idx="minor">
-              <a:schemeClr val="tx1"/>
-            </a:fontRef>
-          </p:style>
-        </p:cxnSp>
-        <p:sp>
-          <p:nvSpPr>
-            <p:cNvPr id="12" name="文本框 11">
-              <a:extLst>
-                <a:ext uri="{FF2B5EF4-FFF2-40B4-BE49-F238E27FC236}">
-                  <a16:creationId xmlns:a16="http://schemas.microsoft.com/office/drawing/2014/main" id="{0F358EC6-338A-F645-A77D-DE6447F6B92D}"/>
-                </a:ext>
-              </a:extLst>
-            </p:cNvPr>
-            <p:cNvSpPr txBox="1"/>
-            <p:nvPr/>
-          </p:nvSpPr>
-          <p:spPr>
-            <a:xfrm>
-              <a:off x="9248930" y="3290509"/>
-              <a:ext cx="1224515" cy="276999"/>
-            </a:xfrm>
-            <a:prstGeom prst="rect">
-              <a:avLst/>
-            </a:prstGeom>
-            <a:noFill/>
-          </p:spPr>
-          <p:txBody>
-            <a:bodyPr wrap="square" rtlCol="0">
-              <a:spAutoFit/>
-            </a:bodyPr>
-            <a:lstStyle/>
-            <a:p>
-              <a:pPr>
-                <a:buClr>
-                  <a:srgbClr val="31C4F5"/>
-                </a:buClr>
-              </a:pPr>
-              <a:r>
-                <a:rPr kumimoji="1" lang="en-US" altLang="zh-CN" sz="1200" dirty="0">
-                  <a:solidFill>
-                    <a:schemeClr val="bg1"/>
-                  </a:solidFill>
-                  <a:latin typeface="Arial" panose="020B0604020202020204" pitchFamily="34" charset="0"/>
-                  <a:cs typeface="Arial" panose="020B0604020202020204" pitchFamily="34" charset="0"/>
-                </a:rPr>
-                <a:t>Navigation</a:t>
-              </a:r>
-              <a:r>
-                <a:rPr kumimoji="1" lang="zh-CN" altLang="en-US" sz="1200" dirty="0">
-                  <a:solidFill>
-                    <a:schemeClr val="bg1"/>
-                  </a:solidFill>
-                  <a:latin typeface="Arial" panose="020B0604020202020204" pitchFamily="34" charset="0"/>
-                  <a:cs typeface="Arial" panose="020B0604020202020204" pitchFamily="34" charset="0"/>
-                </a:rPr>
-                <a:t> </a:t>
-              </a:r>
-              <a:r>
-                <a:rPr kumimoji="1" lang="en-US" altLang="zh-CN" sz="1200" dirty="0">
-                  <a:solidFill>
-                    <a:schemeClr val="bg1"/>
-                  </a:solidFill>
-                  <a:latin typeface="Arial" panose="020B0604020202020204" pitchFamily="34" charset="0"/>
-                  <a:cs typeface="Arial" panose="020B0604020202020204" pitchFamily="34" charset="0"/>
-                </a:rPr>
-                <a:t>bar</a:t>
-              </a:r>
-            </a:p>
-          </p:txBody>
-        </p:sp>
-        <p:sp>
-          <p:nvSpPr>
-            <p:cNvPr id="22" name="矩形 21">
-              <a:extLst>
-                <a:ext uri="{FF2B5EF4-FFF2-40B4-BE49-F238E27FC236}">
-                  <a16:creationId xmlns:a16="http://schemas.microsoft.com/office/drawing/2014/main" id="{334F2A8A-CE27-C948-B3AF-0D540D33A162}"/>
-                </a:ext>
-              </a:extLst>
-            </p:cNvPr>
-            <p:cNvSpPr/>
-            <p:nvPr/>
-          </p:nvSpPr>
-          <p:spPr>
-            <a:xfrm>
-              <a:off x="0" y="3111335"/>
-              <a:ext cx="12037101" cy="629392"/>
-            </a:xfrm>
-            <a:prstGeom prst="rect">
-              <a:avLst/>
-            </a:prstGeom>
-            <a:noFill/>
-            <a:ln>
-              <a:solidFill>
-                <a:srgbClr val="A2A5BD"/>
-              </a:solidFill>
-            </a:ln>
-          </p:spPr>
-          <p:style>
-            <a:lnRef idx="2">
-              <a:schemeClr val="accent1">
-                <a:shade val="50000"/>
-              </a:schemeClr>
-            </a:lnRef>
-            <a:fillRef idx="1">
-              <a:schemeClr val="accent1"/>
-            </a:fillRef>
-            <a:effectRef idx="0">
-              <a:schemeClr val="accent1"/>
-            </a:effectRef>
-            <a:fontRef idx="minor">
-              <a:schemeClr val="lt1"/>
-            </a:fontRef>
-          </p:style>
-          <p:txBody>
-            <a:bodyPr rtlCol="0" anchor="ctr"/>
-            <a:lstStyle/>
-            <a:p>
-              <a:pPr algn="ctr"/>
-              <a:endParaRPr kumimoji="1" lang="zh-CN" altLang="en-US"/>
-            </a:p>
-          </p:txBody>
-        </p:sp>
-      </p:grpSp>
-    </p:spTree>
-    <p:extLst>
-      <p:ext uri="{BB962C8B-B14F-4D97-AF65-F5344CB8AC3E}">
-        <p14:creationId xmlns:p14="http://schemas.microsoft.com/office/powerpoint/2010/main" val="3291914479"/>
-      </p:ext>
-    </p:extLst>
-  </p:cSld>
-  <p:clrMapOvr>
-    <a:masterClrMapping/>
-  </p:clrMapOvr>
-</p:sld>
-</file>
-
 <file path=ppt/theme/theme1.xml><?xml version="1.0" encoding="utf-8"?>
 <a:theme xmlns:a="http://schemas.openxmlformats.org/drawingml/2006/main" name="1_自定义设计方案">
   <a:themeElements>
